--- a/ClassMaterials/SETechniques/Slides/Part1-SETechniques-Intro.pptx
+++ b/ClassMaterials/SETechniques/Slides/Part1-SETechniques-Intro.pptx
@@ -302,7 +302,7 @@
           <a:p>
             <a:fld id="{A470E182-4433-B944-AF35-723DFC7F8728}" type="datetimeFigureOut">
               <a:rPr lang="en-US" smtClean="0"/>
-              <a:t>11/22/2022</a:t>
+              <a:t>12/4/2022</a:t>
             </a:fld>
             <a:endParaRPr lang="en-US"/>
           </a:p>
@@ -467,7 +467,7 @@
           <a:p>
             <a:fld id="{C12EF212-CCF8-3B4F-9C5F-A87F03513D57}" type="datetimeFigureOut">
               <a:rPr lang="en-US" smtClean="0"/>
-              <a:t>11/22/2022</a:t>
+              <a:t>12/4/2022</a:t>
             </a:fld>
             <a:endParaRPr lang="en-US"/>
           </a:p>
@@ -982,7 +982,7 @@
               <a:pPr>
                 <a:defRPr/>
               </a:pPr>
-              <a:t>Tuesday, November 22, 2022</a:t>
+              <a:t>Sunday, December 4, 2022</a:t>
             </a:fld>
             <a:endParaRPr lang="en-US"/>
           </a:p>
@@ -1175,7 +1175,7 @@
               <a:pPr>
                 <a:defRPr/>
               </a:pPr>
-              <a:t>Tuesday, November 22, 2022</a:t>
+              <a:t>Sunday, December 4, 2022</a:t>
             </a:fld>
             <a:endParaRPr lang="en-US">
               <a:solidFill>
@@ -1388,7 +1388,7 @@
               <a:pPr>
                 <a:defRPr/>
               </a:pPr>
-              <a:t>Tuesday, November 22, 2022</a:t>
+              <a:t>Sunday, December 4, 2022</a:t>
             </a:fld>
             <a:endParaRPr lang="en-US">
               <a:solidFill>
@@ -1591,7 +1591,7 @@
               <a:pPr>
                 <a:defRPr/>
               </a:pPr>
-              <a:t>Tuesday, November 22, 2022</a:t>
+              <a:t>Sunday, December 4, 2022</a:t>
             </a:fld>
             <a:endParaRPr lang="en-US">
               <a:solidFill>
@@ -1871,7 +1871,7 @@
               <a:pPr>
                 <a:defRPr/>
               </a:pPr>
-              <a:t>Tuesday, November 22, 2022</a:t>
+              <a:t>Sunday, December 4, 2022</a:t>
             </a:fld>
             <a:endParaRPr lang="en-US">
               <a:solidFill>
@@ -2135,7 +2135,7 @@
               <a:pPr>
                 <a:defRPr/>
               </a:pPr>
-              <a:t>Tuesday, November 22, 2022</a:t>
+              <a:t>Sunday, December 4, 2022</a:t>
             </a:fld>
             <a:endParaRPr lang="en-US">
               <a:solidFill>
@@ -2534,7 +2534,7 @@
               <a:pPr>
                 <a:defRPr/>
               </a:pPr>
-              <a:t>Tuesday, November 22, 2022</a:t>
+              <a:t>Sunday, December 4, 2022</a:t>
             </a:fld>
             <a:endParaRPr lang="en-US">
               <a:solidFill>
@@ -2686,7 +2686,7 @@
               <a:pPr>
                 <a:defRPr/>
               </a:pPr>
-              <a:t>Tuesday, November 22, 2022</a:t>
+              <a:t>Sunday, December 4, 2022</a:t>
             </a:fld>
             <a:endParaRPr lang="en-US">
               <a:solidFill>
@@ -2816,7 +2816,7 @@
               <a:pPr>
                 <a:defRPr/>
               </a:pPr>
-              <a:t>Tuesday, November 22, 2022</a:t>
+              <a:t>Sunday, December 4, 2022</a:t>
             </a:fld>
             <a:endParaRPr lang="en-US">
               <a:solidFill>
@@ -3126,7 +3126,7 @@
               <a:pPr>
                 <a:defRPr/>
               </a:pPr>
-              <a:t>Tuesday, November 22, 2022</a:t>
+              <a:t>Sunday, December 4, 2022</a:t>
             </a:fld>
             <a:endParaRPr lang="en-US">
               <a:solidFill>
@@ -3413,7 +3413,7 @@
               <a:pPr>
                 <a:defRPr/>
               </a:pPr>
-              <a:t>Tuesday, November 22, 2022</a:t>
+              <a:t>Sunday, December 4, 2022</a:t>
             </a:fld>
             <a:endParaRPr lang="en-US">
               <a:solidFill>
@@ -3673,7 +3673,7 @@
                 </a:spcAft>
                 <a:defRPr/>
               </a:pPr>
-              <a:t>Tuesday, November 22, 2022</a:t>
+              <a:t>Sunday, December 4, 2022</a:t>
             </a:fld>
             <a:endParaRPr lang="en-US">
               <a:solidFill>

--- a/ClassMaterials/SETechniques/Slides/Part1-SETechniques-Intro.pptx
+++ b/ClassMaterials/SETechniques/Slides/Part1-SETechniques-Intro.pptx
@@ -302,7 +302,7 @@
           <a:p>
             <a:fld id="{A470E182-4433-B944-AF35-723DFC7F8728}" type="datetimeFigureOut">
               <a:rPr lang="en-US" smtClean="0"/>
-              <a:t>12/4/2022</a:t>
+              <a:t>12/5/2022</a:t>
             </a:fld>
             <a:endParaRPr lang="en-US"/>
           </a:p>
@@ -467,7 +467,7 @@
           <a:p>
             <a:fld id="{C12EF212-CCF8-3B4F-9C5F-A87F03513D57}" type="datetimeFigureOut">
               <a:rPr lang="en-US" smtClean="0"/>
-              <a:t>12/4/2022</a:t>
+              <a:t>12/5/2022</a:t>
             </a:fld>
             <a:endParaRPr lang="en-US"/>
           </a:p>
@@ -982,7 +982,7 @@
               <a:pPr>
                 <a:defRPr/>
               </a:pPr>
-              <a:t>Sunday, December 4, 2022</a:t>
+              <a:t>Monday, December 5, 2022</a:t>
             </a:fld>
             <a:endParaRPr lang="en-US"/>
           </a:p>
@@ -1175,7 +1175,7 @@
               <a:pPr>
                 <a:defRPr/>
               </a:pPr>
-              <a:t>Sunday, December 4, 2022</a:t>
+              <a:t>Monday, December 5, 2022</a:t>
             </a:fld>
             <a:endParaRPr lang="en-US">
               <a:solidFill>
@@ -1388,7 +1388,7 @@
               <a:pPr>
                 <a:defRPr/>
               </a:pPr>
-              <a:t>Sunday, December 4, 2022</a:t>
+              <a:t>Monday, December 5, 2022</a:t>
             </a:fld>
             <a:endParaRPr lang="en-US">
               <a:solidFill>
@@ -1591,7 +1591,7 @@
               <a:pPr>
                 <a:defRPr/>
               </a:pPr>
-              <a:t>Sunday, December 4, 2022</a:t>
+              <a:t>Monday, December 5, 2022</a:t>
             </a:fld>
             <a:endParaRPr lang="en-US">
               <a:solidFill>
@@ -1871,7 +1871,7 @@
               <a:pPr>
                 <a:defRPr/>
               </a:pPr>
-              <a:t>Sunday, December 4, 2022</a:t>
+              <a:t>Monday, December 5, 2022</a:t>
             </a:fld>
             <a:endParaRPr lang="en-US">
               <a:solidFill>
@@ -2135,7 +2135,7 @@
               <a:pPr>
                 <a:defRPr/>
               </a:pPr>
-              <a:t>Sunday, December 4, 2022</a:t>
+              <a:t>Monday, December 5, 2022</a:t>
             </a:fld>
             <a:endParaRPr lang="en-US">
               <a:solidFill>
@@ -2534,7 +2534,7 @@
               <a:pPr>
                 <a:defRPr/>
               </a:pPr>
-              <a:t>Sunday, December 4, 2022</a:t>
+              <a:t>Monday, December 5, 2022</a:t>
             </a:fld>
             <a:endParaRPr lang="en-US">
               <a:solidFill>
@@ -2686,7 +2686,7 @@
               <a:pPr>
                 <a:defRPr/>
               </a:pPr>
-              <a:t>Sunday, December 4, 2022</a:t>
+              <a:t>Monday, December 5, 2022</a:t>
             </a:fld>
             <a:endParaRPr lang="en-US">
               <a:solidFill>
@@ -2816,7 +2816,7 @@
               <a:pPr>
                 <a:defRPr/>
               </a:pPr>
-              <a:t>Sunday, December 4, 2022</a:t>
+              <a:t>Monday, December 5, 2022</a:t>
             </a:fld>
             <a:endParaRPr lang="en-US">
               <a:solidFill>
@@ -3126,7 +3126,7 @@
               <a:pPr>
                 <a:defRPr/>
               </a:pPr>
-              <a:t>Sunday, December 4, 2022</a:t>
+              <a:t>Monday, December 5, 2022</a:t>
             </a:fld>
             <a:endParaRPr lang="en-US">
               <a:solidFill>
@@ -3413,7 +3413,7 @@
               <a:pPr>
                 <a:defRPr/>
               </a:pPr>
-              <a:t>Sunday, December 4, 2022</a:t>
+              <a:t>Monday, December 5, 2022</a:t>
             </a:fld>
             <a:endParaRPr lang="en-US">
               <a:solidFill>
@@ -3673,7 +3673,7 @@
                 </a:spcAft>
                 <a:defRPr/>
               </a:pPr>
-              <a:t>Sunday, December 4, 2022</a:t>
+              <a:t>Monday, December 5, 2022</a:t>
             </a:fld>
             <a:endParaRPr lang="en-US">
               <a:solidFill>
@@ -5999,21 +5999,6 @@
 </file>
 
 <file path=customXml/item1.xml><?xml version="1.0" encoding="utf-8"?>
-<p:properties xmlns:p="http://schemas.microsoft.com/office/2006/metadata/properties" xmlns:xsi="http://www.w3.org/2001/XMLSchema-instance" xmlns:pc="http://schemas.microsoft.com/office/infopath/2007/PartnerControls">
-  <documentManagement/>
-</p:properties>
-</file>
-
-<file path=customXml/item2.xml><?xml version="1.0" encoding="utf-8"?>
-<?mso-contentType ?>
-<FormTemplates xmlns="http://schemas.microsoft.com/sharepoint/v3/contenttype/forms">
-  <Display>DocumentLibraryForm</Display>
-  <Edit>DocumentLibraryForm</Edit>
-  <New>DocumentLibraryForm</New>
-</FormTemplates>
-</file>
-
-<file path=customXml/item3.xml><?xml version="1.0" encoding="utf-8"?>
 <ct:contentTypeSchema xmlns:ct="http://schemas.microsoft.com/office/2006/metadata/contentType" xmlns:ma="http://schemas.microsoft.com/office/2006/metadata/properties/metaAttributes" ct:_="" ma:_="" ma:contentTypeName="Document" ma:contentTypeID="0x0101004285D81DBE5F5A448E892B34D6B8CF20" ma:contentTypeVersion="2" ma:contentTypeDescription="Create a new document." ma:contentTypeScope="" ma:versionID="026ccaf10de5d9915dfa48c6db16b59b">
   <xsd:schema xmlns:xsd="http://www.w3.org/2001/XMLSchema" xmlns:xs="http://www.w3.org/2001/XMLSchema" xmlns:p="http://schemas.microsoft.com/office/2006/metadata/properties" xmlns:ns2="08600313-7276-4ca7-b5d3-7d86193ee0ac" targetNamespace="http://schemas.microsoft.com/office/2006/metadata/properties" ma:root="true" ma:fieldsID="c887e4ee215f388544e22a2030d7ea35" ns2:_="">
     <xsd:import namespace="08600313-7276-4ca7-b5d3-7d86193ee0ac"/>
@@ -6145,31 +6130,22 @@
 </ct:contentTypeSchema>
 </file>
 
-<file path=customXml/itemProps1.xml><?xml version="1.0" encoding="utf-8"?>
-<ds:datastoreItem xmlns:ds="http://schemas.openxmlformats.org/officeDocument/2006/customXml" ds:itemID="{0B642D87-A87A-4599-A6E2-B9CD1C09F0FA}">
-  <ds:schemaRefs>
-    <ds:schemaRef ds:uri="http://purl.org/dc/terms/"/>
-    <ds:schemaRef ds:uri="http://schemas.microsoft.com/office/2006/metadata/properties"/>
-    <ds:schemaRef ds:uri="http://schemas.openxmlformats.org/package/2006/metadata/core-properties"/>
-    <ds:schemaRef ds:uri="http://purl.org/dc/dcmitype/"/>
-    <ds:schemaRef ds:uri="http://purl.org/dc/elements/1.1/"/>
-    <ds:schemaRef ds:uri="http://schemas.microsoft.com/office/infopath/2007/PartnerControls"/>
-    <ds:schemaRef ds:uri="http://www.w3.org/XML/1998/namespace"/>
-    <ds:schemaRef ds:uri="79ddb764-415a-4c38-83b7-908be6382bea"/>
-    <ds:schemaRef ds:uri="http://schemas.microsoft.com/office/2006/documentManagement/types"/>
-  </ds:schemaRefs>
-</ds:datastoreItem>
+<file path=customXml/item2.xml><?xml version="1.0" encoding="utf-8"?>
+<?mso-contentType ?>
+<FormTemplates xmlns="http://schemas.microsoft.com/sharepoint/v3/contenttype/forms">
+  <Display>DocumentLibraryForm</Display>
+  <Edit>DocumentLibraryForm</Edit>
+  <New>DocumentLibraryForm</New>
+</FormTemplates>
 </file>
 
-<file path=customXml/itemProps2.xml><?xml version="1.0" encoding="utf-8"?>
-<ds:datastoreItem xmlns:ds="http://schemas.openxmlformats.org/officeDocument/2006/customXml" ds:itemID="{41D8B4DC-B6A1-4423-9A40-D80850572599}">
-  <ds:schemaRefs>
-    <ds:schemaRef ds:uri="http://schemas.microsoft.com/sharepoint/v3/contenttype/forms"/>
-  </ds:schemaRefs>
-</ds:datastoreItem>
+<file path=customXml/item3.xml><?xml version="1.0" encoding="utf-8"?>
+<p:properties xmlns:p="http://schemas.microsoft.com/office/2006/metadata/properties" xmlns:xsi="http://www.w3.org/2001/XMLSchema-instance" xmlns:pc="http://schemas.microsoft.com/office/infopath/2007/PartnerControls">
+  <documentManagement/>
+</p:properties>
 </file>
 
-<file path=customXml/itemProps3.xml><?xml version="1.0" encoding="utf-8"?>
+<file path=customXml/itemProps1.xml><?xml version="1.0" encoding="utf-8"?>
 <ds:datastoreItem xmlns:ds="http://schemas.openxmlformats.org/officeDocument/2006/customXml" ds:itemID="{33DBEA94-FCF4-49BF-A3E9-3226927C886C}">
   <ds:schemaRefs>
     <ds:schemaRef ds:uri="http://schemas.microsoft.com/office/2006/metadata/contentType"/>
@@ -6185,4 +6161,28 @@
     <ds:schemaRef ds:uri="http://schemas.microsoft.com/internal/obd"/>
   </ds:schemaRefs>
 </ds:datastoreItem>
+</file>
+
+<file path=customXml/itemProps2.xml><?xml version="1.0" encoding="utf-8"?>
+<ds:datastoreItem xmlns:ds="http://schemas.openxmlformats.org/officeDocument/2006/customXml" ds:itemID="{41D8B4DC-B6A1-4423-9A40-D80850572599}">
+  <ds:schemaRefs>
+    <ds:schemaRef ds:uri="http://schemas.microsoft.com/sharepoint/v3/contenttype/forms"/>
+  </ds:schemaRefs>
+</ds:datastoreItem>
+</file>
+
+<file path=customXml/itemProps3.xml><?xml version="1.0" encoding="utf-8"?>
+<ds:datastoreItem xmlns:ds="http://schemas.openxmlformats.org/officeDocument/2006/customXml" ds:itemID="{0B642D87-A87A-4599-A6E2-B9CD1C09F0FA}">
+  <ds:schemaRefs>
+    <ds:schemaRef ds:uri="http://purl.org/dc/terms/"/>
+    <ds:schemaRef ds:uri="http://schemas.microsoft.com/office/2006/metadata/properties"/>
+    <ds:schemaRef ds:uri="http://schemas.openxmlformats.org/package/2006/metadata/core-properties"/>
+    <ds:schemaRef ds:uri="http://purl.org/dc/dcmitype/"/>
+    <ds:schemaRef ds:uri="http://purl.org/dc/elements/1.1/"/>
+    <ds:schemaRef ds:uri="http://schemas.microsoft.com/office/infopath/2007/PartnerControls"/>
+    <ds:schemaRef ds:uri="http://www.w3.org/XML/1998/namespace"/>
+    <ds:schemaRef ds:uri="79ddb764-415a-4c38-83b7-908be6382bea"/>
+    <ds:schemaRef ds:uri="http://schemas.microsoft.com/office/2006/documentManagement/types"/>
+  </ds:schemaRefs>
+</ds:datastoreItem>
 </file>
--- a/ClassMaterials/SETechniques/Slides/Part1-SETechniques-Intro.pptx
+++ b/ClassMaterials/SETechniques/Slides/Part1-SETechniques-Intro.pptx
@@ -146,14 +146,6 @@
 </p:cmAuthorLst>
 </file>
 
-<file path=ppt/revisionInfo.xml><?xml version="1.0" encoding="utf-8"?>
-<p1510:revInfo xmlns:a="http://schemas.openxmlformats.org/drawingml/2006/main" xmlns:r="http://schemas.openxmlformats.org/officeDocument/2006/relationships" xmlns:p1510="http://schemas.microsoft.com/office/powerpoint/2015/10/main">
-  <p1510:revLst>
-    <p1510:client id="{F1CF9C36-F4F8-1B4D-AD1D-058936833E34}" v="2" dt="2022-03-17T12:55:39.675"/>
-  </p1510:revLst>
-</p1510:revInfo>
-</file>
-
 <file path=ppt/changesInfos/changesInfo1.xml><?xml version="1.0" encoding="utf-8"?>
 <pc:chgInfo xmlns:a="http://schemas.openxmlformats.org/drawingml/2006/main" xmlns:r="http://schemas.openxmlformats.org/officeDocument/2006/relationships" xmlns:ac="http://schemas.microsoft.com/office/drawing/2013/main/command" xmlns:pc="http://schemas.microsoft.com/office/powerpoint/2013/main/command">
   <pc:docChgLst>
@@ -217,6 +209,30 @@
       </pc:sldChg>
     </pc:docChg>
   </pc:docChgLst>
+  <pc:docChgLst>
+    <pc:chgData name="Yoder, Jason" userId="28f4d4d8-da04-4f86-b14d-a21675737bc5" providerId="ADAL" clId="{DB6B0590-3BF7-40D3-9C08-DBF921AB1F90}"/>
+    <pc:docChg chg="modSld">
+      <pc:chgData name="Yoder, Jason" userId="28f4d4d8-da04-4f86-b14d-a21675737bc5" providerId="ADAL" clId="{DB6B0590-3BF7-40D3-9C08-DBF921AB1F90}" dt="2023-09-03T17:45:00.127" v="2" actId="20577"/>
+      <pc:docMkLst>
+        <pc:docMk/>
+      </pc:docMkLst>
+      <pc:sldChg chg="modSp mod">
+        <pc:chgData name="Yoder, Jason" userId="28f4d4d8-da04-4f86-b14d-a21675737bc5" providerId="ADAL" clId="{DB6B0590-3BF7-40D3-9C08-DBF921AB1F90}" dt="2023-09-03T17:45:00.127" v="2" actId="20577"/>
+        <pc:sldMkLst>
+          <pc:docMk/>
+          <pc:sldMk cId="1553627413" sldId="303"/>
+        </pc:sldMkLst>
+        <pc:spChg chg="mod">
+          <ac:chgData name="Yoder, Jason" userId="28f4d4d8-da04-4f86-b14d-a21675737bc5" providerId="ADAL" clId="{DB6B0590-3BF7-40D3-9C08-DBF921AB1F90}" dt="2023-09-03T17:45:00.127" v="2" actId="20577"/>
+          <ac:spMkLst>
+            <pc:docMk/>
+            <pc:sldMk cId="1553627413" sldId="303"/>
+            <ac:spMk id="2" creationId="{90506C26-9284-E887-E258-4243FDBB9D28}"/>
+          </ac:spMkLst>
+        </pc:spChg>
+      </pc:sldChg>
+    </pc:docChg>
+  </pc:docChgLst>
 </pc:chgInfo>
 </file>
 
@@ -302,7 +318,7 @@
           <a:p>
             <a:fld id="{A470E182-4433-B944-AF35-723DFC7F8728}" type="datetimeFigureOut">
               <a:rPr lang="en-US" smtClean="0"/>
-              <a:t>12/5/2022</a:t>
+              <a:t>9/3/2023</a:t>
             </a:fld>
             <a:endParaRPr lang="en-US"/>
           </a:p>
@@ -467,7 +483,7 @@
           <a:p>
             <a:fld id="{C12EF212-CCF8-3B4F-9C5F-A87F03513D57}" type="datetimeFigureOut">
               <a:rPr lang="en-US" smtClean="0"/>
-              <a:t>12/5/2022</a:t>
+              <a:t>9/3/2023</a:t>
             </a:fld>
             <a:endParaRPr lang="en-US"/>
           </a:p>
@@ -982,7 +998,7 @@
               <a:pPr>
                 <a:defRPr/>
               </a:pPr>
-              <a:t>Monday, December 5, 2022</a:t>
+              <a:t>Sunday, September 3, 2023</a:t>
             </a:fld>
             <a:endParaRPr lang="en-US"/>
           </a:p>
@@ -1175,7 +1191,7 @@
               <a:pPr>
                 <a:defRPr/>
               </a:pPr>
-              <a:t>Monday, December 5, 2022</a:t>
+              <a:t>Sunday, September 3, 2023</a:t>
             </a:fld>
             <a:endParaRPr lang="en-US">
               <a:solidFill>
@@ -1388,7 +1404,7 @@
               <a:pPr>
                 <a:defRPr/>
               </a:pPr>
-              <a:t>Monday, December 5, 2022</a:t>
+              <a:t>Sunday, September 3, 2023</a:t>
             </a:fld>
             <a:endParaRPr lang="en-US">
               <a:solidFill>
@@ -1591,7 +1607,7 @@
               <a:pPr>
                 <a:defRPr/>
               </a:pPr>
-              <a:t>Monday, December 5, 2022</a:t>
+              <a:t>Sunday, September 3, 2023</a:t>
             </a:fld>
             <a:endParaRPr lang="en-US">
               <a:solidFill>
@@ -1871,7 +1887,7 @@
               <a:pPr>
                 <a:defRPr/>
               </a:pPr>
-              <a:t>Monday, December 5, 2022</a:t>
+              <a:t>Sunday, September 3, 2023</a:t>
             </a:fld>
             <a:endParaRPr lang="en-US">
               <a:solidFill>
@@ -2135,7 +2151,7 @@
               <a:pPr>
                 <a:defRPr/>
               </a:pPr>
-              <a:t>Monday, December 5, 2022</a:t>
+              <a:t>Sunday, September 3, 2023</a:t>
             </a:fld>
             <a:endParaRPr lang="en-US">
               <a:solidFill>
@@ -2534,7 +2550,7 @@
               <a:pPr>
                 <a:defRPr/>
               </a:pPr>
-              <a:t>Monday, December 5, 2022</a:t>
+              <a:t>Sunday, September 3, 2023</a:t>
             </a:fld>
             <a:endParaRPr lang="en-US">
               <a:solidFill>
@@ -2686,7 +2702,7 @@
               <a:pPr>
                 <a:defRPr/>
               </a:pPr>
-              <a:t>Monday, December 5, 2022</a:t>
+              <a:t>Sunday, September 3, 2023</a:t>
             </a:fld>
             <a:endParaRPr lang="en-US">
               <a:solidFill>
@@ -2816,7 +2832,7 @@
               <a:pPr>
                 <a:defRPr/>
               </a:pPr>
-              <a:t>Monday, December 5, 2022</a:t>
+              <a:t>Sunday, September 3, 2023</a:t>
             </a:fld>
             <a:endParaRPr lang="en-US">
               <a:solidFill>
@@ -3126,7 +3142,7 @@
               <a:pPr>
                 <a:defRPr/>
               </a:pPr>
-              <a:t>Monday, December 5, 2022</a:t>
+              <a:t>Sunday, September 3, 2023</a:t>
             </a:fld>
             <a:endParaRPr lang="en-US">
               <a:solidFill>
@@ -3413,7 +3429,7 @@
               <a:pPr>
                 <a:defRPr/>
               </a:pPr>
-              <a:t>Monday, December 5, 2022</a:t>
+              <a:t>Sunday, September 3, 2023</a:t>
             </a:fld>
             <a:endParaRPr lang="en-US">
               <a:solidFill>
@@ -3673,7 +3689,7 @@
                 </a:spcAft>
                 <a:defRPr/>
               </a:pPr>
-              <a:t>Monday, December 5, 2022</a:t>
+              <a:t>Sunday, September 3, 2023</a:t>
             </a:fld>
             <a:endParaRPr lang="en-US">
               <a:solidFill>
@@ -4333,13 +4349,18 @@
           </a:p>
           <a:p>
             <a:r>
-              <a:rPr lang="en-US" sz="4400" dirty="0">
+              <a:rPr lang="en-US" sz="4400" dirty="0" err="1">
                 <a:highlight>
                   <a:srgbClr val="FFFF00"/>
                 </a:highlight>
               </a:rPr>
-              <a:t>__________</a:t>
-            </a:r>
+              <a:t>uml</a:t>
+            </a:r>
+            <a:endParaRPr lang="en-US" sz="4400" dirty="0">
+              <a:highlight>
+                <a:srgbClr val="FFFF00"/>
+              </a:highlight>
+            </a:endParaRPr>
           </a:p>
         </p:txBody>
       </p:sp>
@@ -5999,6 +6020,21 @@
 </file>
 
 <file path=customXml/item1.xml><?xml version="1.0" encoding="utf-8"?>
+<p:properties xmlns:p="http://schemas.microsoft.com/office/2006/metadata/properties" xmlns:xsi="http://www.w3.org/2001/XMLSchema-instance" xmlns:pc="http://schemas.microsoft.com/office/infopath/2007/PartnerControls">
+  <documentManagement/>
+</p:properties>
+</file>
+
+<file path=customXml/item2.xml><?xml version="1.0" encoding="utf-8"?>
+<?mso-contentType ?>
+<FormTemplates xmlns="http://schemas.microsoft.com/sharepoint/v3/contenttype/forms">
+  <Display>DocumentLibraryForm</Display>
+  <Edit>DocumentLibraryForm</Edit>
+  <New>DocumentLibraryForm</New>
+</FormTemplates>
+</file>
+
+<file path=customXml/item3.xml><?xml version="1.0" encoding="utf-8"?>
 <ct:contentTypeSchema xmlns:ct="http://schemas.microsoft.com/office/2006/metadata/contentType" xmlns:ma="http://schemas.microsoft.com/office/2006/metadata/properties/metaAttributes" ct:_="" ma:_="" ma:contentTypeName="Document" ma:contentTypeID="0x0101004285D81DBE5F5A448E892B34D6B8CF20" ma:contentTypeVersion="2" ma:contentTypeDescription="Create a new document." ma:contentTypeScope="" ma:versionID="026ccaf10de5d9915dfa48c6db16b59b">
   <xsd:schema xmlns:xsd="http://www.w3.org/2001/XMLSchema" xmlns:xs="http://www.w3.org/2001/XMLSchema" xmlns:p="http://schemas.microsoft.com/office/2006/metadata/properties" xmlns:ns2="08600313-7276-4ca7-b5d3-7d86193ee0ac" targetNamespace="http://schemas.microsoft.com/office/2006/metadata/properties" ma:root="true" ma:fieldsID="c887e4ee215f388544e22a2030d7ea35" ns2:_="">
     <xsd:import namespace="08600313-7276-4ca7-b5d3-7d86193ee0ac"/>
@@ -6130,22 +6166,31 @@
 </ct:contentTypeSchema>
 </file>
 
-<file path=customXml/item2.xml><?xml version="1.0" encoding="utf-8"?>
-<?mso-contentType ?>
-<FormTemplates xmlns="http://schemas.microsoft.com/sharepoint/v3/contenttype/forms">
-  <Display>DocumentLibraryForm</Display>
-  <Edit>DocumentLibraryForm</Edit>
-  <New>DocumentLibraryForm</New>
-</FormTemplates>
+<file path=customXml/itemProps1.xml><?xml version="1.0" encoding="utf-8"?>
+<ds:datastoreItem xmlns:ds="http://schemas.openxmlformats.org/officeDocument/2006/customXml" ds:itemID="{0B642D87-A87A-4599-A6E2-B9CD1C09F0FA}">
+  <ds:schemaRefs>
+    <ds:schemaRef ds:uri="http://purl.org/dc/terms/"/>
+    <ds:schemaRef ds:uri="http://schemas.microsoft.com/office/2006/metadata/properties"/>
+    <ds:schemaRef ds:uri="http://schemas.openxmlformats.org/package/2006/metadata/core-properties"/>
+    <ds:schemaRef ds:uri="http://purl.org/dc/dcmitype/"/>
+    <ds:schemaRef ds:uri="http://purl.org/dc/elements/1.1/"/>
+    <ds:schemaRef ds:uri="http://schemas.microsoft.com/office/infopath/2007/PartnerControls"/>
+    <ds:schemaRef ds:uri="http://www.w3.org/XML/1998/namespace"/>
+    <ds:schemaRef ds:uri="79ddb764-415a-4c38-83b7-908be6382bea"/>
+    <ds:schemaRef ds:uri="http://schemas.microsoft.com/office/2006/documentManagement/types"/>
+  </ds:schemaRefs>
+</ds:datastoreItem>
 </file>
 
-<file path=customXml/item3.xml><?xml version="1.0" encoding="utf-8"?>
-<p:properties xmlns:p="http://schemas.microsoft.com/office/2006/metadata/properties" xmlns:xsi="http://www.w3.org/2001/XMLSchema-instance" xmlns:pc="http://schemas.microsoft.com/office/infopath/2007/PartnerControls">
-  <documentManagement/>
-</p:properties>
+<file path=customXml/itemProps2.xml><?xml version="1.0" encoding="utf-8"?>
+<ds:datastoreItem xmlns:ds="http://schemas.openxmlformats.org/officeDocument/2006/customXml" ds:itemID="{41D8B4DC-B6A1-4423-9A40-D80850572599}">
+  <ds:schemaRefs>
+    <ds:schemaRef ds:uri="http://schemas.microsoft.com/sharepoint/v3/contenttype/forms"/>
+  </ds:schemaRefs>
+</ds:datastoreItem>
 </file>
 
-<file path=customXml/itemProps1.xml><?xml version="1.0" encoding="utf-8"?>
+<file path=customXml/itemProps3.xml><?xml version="1.0" encoding="utf-8"?>
 <ds:datastoreItem xmlns:ds="http://schemas.openxmlformats.org/officeDocument/2006/customXml" ds:itemID="{33DBEA94-FCF4-49BF-A3E9-3226927C886C}">
   <ds:schemaRefs>
     <ds:schemaRef ds:uri="http://schemas.microsoft.com/office/2006/metadata/contentType"/>
@@ -6161,28 +6206,4 @@
     <ds:schemaRef ds:uri="http://schemas.microsoft.com/internal/obd"/>
   </ds:schemaRefs>
 </ds:datastoreItem>
-</file>
-
-<file path=customXml/itemProps2.xml><?xml version="1.0" encoding="utf-8"?>
-<ds:datastoreItem xmlns:ds="http://schemas.openxmlformats.org/officeDocument/2006/customXml" ds:itemID="{41D8B4DC-B6A1-4423-9A40-D80850572599}">
-  <ds:schemaRefs>
-    <ds:schemaRef ds:uri="http://schemas.microsoft.com/sharepoint/v3/contenttype/forms"/>
-  </ds:schemaRefs>
-</ds:datastoreItem>
-</file>
-
-<file path=customXml/itemProps3.xml><?xml version="1.0" encoding="utf-8"?>
-<ds:datastoreItem xmlns:ds="http://schemas.openxmlformats.org/officeDocument/2006/customXml" ds:itemID="{0B642D87-A87A-4599-A6E2-B9CD1C09F0FA}">
-  <ds:schemaRefs>
-    <ds:schemaRef ds:uri="http://purl.org/dc/terms/"/>
-    <ds:schemaRef ds:uri="http://schemas.microsoft.com/office/2006/metadata/properties"/>
-    <ds:schemaRef ds:uri="http://schemas.openxmlformats.org/package/2006/metadata/core-properties"/>
-    <ds:schemaRef ds:uri="http://purl.org/dc/dcmitype/"/>
-    <ds:schemaRef ds:uri="http://purl.org/dc/elements/1.1/"/>
-    <ds:schemaRef ds:uri="http://schemas.microsoft.com/office/infopath/2007/PartnerControls"/>
-    <ds:schemaRef ds:uri="http://www.w3.org/XML/1998/namespace"/>
-    <ds:schemaRef ds:uri="79ddb764-415a-4c38-83b7-908be6382bea"/>
-    <ds:schemaRef ds:uri="http://schemas.microsoft.com/office/2006/documentManagement/types"/>
-  </ds:schemaRefs>
-</ds:datastoreItem>
 </file>
--- a/ClassMaterials/SETechniques/Slides/Part1-SETechniques-Intro.pptx
+++ b/ClassMaterials/SETechniques/Slides/Part1-SETechniques-Intro.pptx
@@ -146,6 +146,14 @@
 </p:cmAuthorLst>
 </file>
 
+<file path=ppt/revisionInfo.xml><?xml version="1.0" encoding="utf-8"?>
+<p1510:revInfo xmlns:a="http://schemas.openxmlformats.org/drawingml/2006/main" xmlns:r="http://schemas.openxmlformats.org/officeDocument/2006/relationships" xmlns:p1510="http://schemas.microsoft.com/office/powerpoint/2015/10/main">
+  <p1510:revLst>
+    <p1510:client id="{F1CF9C36-F4F8-1B4D-AD1D-058936833E34}" v="2" dt="2022-03-17T12:55:39.675"/>
+  </p1510:revLst>
+</p1510:revInfo>
+</file>
+
 <file path=ppt/changesInfos/changesInfo1.xml><?xml version="1.0" encoding="utf-8"?>
 <pc:chgInfo xmlns:a="http://schemas.openxmlformats.org/drawingml/2006/main" xmlns:r="http://schemas.openxmlformats.org/officeDocument/2006/relationships" xmlns:ac="http://schemas.microsoft.com/office/drawing/2013/main/command" xmlns:pc="http://schemas.microsoft.com/office/powerpoint/2013/main/command">
   <pc:docChgLst>
@@ -209,30 +217,6 @@
       </pc:sldChg>
     </pc:docChg>
   </pc:docChgLst>
-  <pc:docChgLst>
-    <pc:chgData name="Yoder, Jason" userId="28f4d4d8-da04-4f86-b14d-a21675737bc5" providerId="ADAL" clId="{DB6B0590-3BF7-40D3-9C08-DBF921AB1F90}"/>
-    <pc:docChg chg="modSld">
-      <pc:chgData name="Yoder, Jason" userId="28f4d4d8-da04-4f86-b14d-a21675737bc5" providerId="ADAL" clId="{DB6B0590-3BF7-40D3-9C08-DBF921AB1F90}" dt="2023-09-03T17:45:00.127" v="2" actId="20577"/>
-      <pc:docMkLst>
-        <pc:docMk/>
-      </pc:docMkLst>
-      <pc:sldChg chg="modSp mod">
-        <pc:chgData name="Yoder, Jason" userId="28f4d4d8-da04-4f86-b14d-a21675737bc5" providerId="ADAL" clId="{DB6B0590-3BF7-40D3-9C08-DBF921AB1F90}" dt="2023-09-03T17:45:00.127" v="2" actId="20577"/>
-        <pc:sldMkLst>
-          <pc:docMk/>
-          <pc:sldMk cId="1553627413" sldId="303"/>
-        </pc:sldMkLst>
-        <pc:spChg chg="mod">
-          <ac:chgData name="Yoder, Jason" userId="28f4d4d8-da04-4f86-b14d-a21675737bc5" providerId="ADAL" clId="{DB6B0590-3BF7-40D3-9C08-DBF921AB1F90}" dt="2023-09-03T17:45:00.127" v="2" actId="20577"/>
-          <ac:spMkLst>
-            <pc:docMk/>
-            <pc:sldMk cId="1553627413" sldId="303"/>
-            <ac:spMk id="2" creationId="{90506C26-9284-E887-E258-4243FDBB9D28}"/>
-          </ac:spMkLst>
-        </pc:spChg>
-      </pc:sldChg>
-    </pc:docChg>
-  </pc:docChgLst>
 </pc:chgInfo>
 </file>
 
@@ -318,7 +302,7 @@
           <a:p>
             <a:fld id="{A470E182-4433-B944-AF35-723DFC7F8728}" type="datetimeFigureOut">
               <a:rPr lang="en-US" smtClean="0"/>
-              <a:t>9/3/2023</a:t>
+              <a:t>12/5/2022</a:t>
             </a:fld>
             <a:endParaRPr lang="en-US"/>
           </a:p>
@@ -483,7 +467,7 @@
           <a:p>
             <a:fld id="{C12EF212-CCF8-3B4F-9C5F-A87F03513D57}" type="datetimeFigureOut">
               <a:rPr lang="en-US" smtClean="0"/>
-              <a:t>9/3/2023</a:t>
+              <a:t>12/5/2022</a:t>
             </a:fld>
             <a:endParaRPr lang="en-US"/>
           </a:p>
@@ -998,7 +982,7 @@
               <a:pPr>
                 <a:defRPr/>
               </a:pPr>
-              <a:t>Sunday, September 3, 2023</a:t>
+              <a:t>Monday, December 5, 2022</a:t>
             </a:fld>
             <a:endParaRPr lang="en-US"/>
           </a:p>
@@ -1191,7 +1175,7 @@
               <a:pPr>
                 <a:defRPr/>
               </a:pPr>
-              <a:t>Sunday, September 3, 2023</a:t>
+              <a:t>Monday, December 5, 2022</a:t>
             </a:fld>
             <a:endParaRPr lang="en-US">
               <a:solidFill>
@@ -1404,7 +1388,7 @@
               <a:pPr>
                 <a:defRPr/>
               </a:pPr>
-              <a:t>Sunday, September 3, 2023</a:t>
+              <a:t>Monday, December 5, 2022</a:t>
             </a:fld>
             <a:endParaRPr lang="en-US">
               <a:solidFill>
@@ -1607,7 +1591,7 @@
               <a:pPr>
                 <a:defRPr/>
               </a:pPr>
-              <a:t>Sunday, September 3, 2023</a:t>
+              <a:t>Monday, December 5, 2022</a:t>
             </a:fld>
             <a:endParaRPr lang="en-US">
               <a:solidFill>
@@ -1887,7 +1871,7 @@
               <a:pPr>
                 <a:defRPr/>
               </a:pPr>
-              <a:t>Sunday, September 3, 2023</a:t>
+              <a:t>Monday, December 5, 2022</a:t>
             </a:fld>
             <a:endParaRPr lang="en-US">
               <a:solidFill>
@@ -2151,7 +2135,7 @@
               <a:pPr>
                 <a:defRPr/>
               </a:pPr>
-              <a:t>Sunday, September 3, 2023</a:t>
+              <a:t>Monday, December 5, 2022</a:t>
             </a:fld>
             <a:endParaRPr lang="en-US">
               <a:solidFill>
@@ -2550,7 +2534,7 @@
               <a:pPr>
                 <a:defRPr/>
               </a:pPr>
-              <a:t>Sunday, September 3, 2023</a:t>
+              <a:t>Monday, December 5, 2022</a:t>
             </a:fld>
             <a:endParaRPr lang="en-US">
               <a:solidFill>
@@ -2702,7 +2686,7 @@
               <a:pPr>
                 <a:defRPr/>
               </a:pPr>
-              <a:t>Sunday, September 3, 2023</a:t>
+              <a:t>Monday, December 5, 2022</a:t>
             </a:fld>
             <a:endParaRPr lang="en-US">
               <a:solidFill>
@@ -2832,7 +2816,7 @@
               <a:pPr>
                 <a:defRPr/>
               </a:pPr>
-              <a:t>Sunday, September 3, 2023</a:t>
+              <a:t>Monday, December 5, 2022</a:t>
             </a:fld>
             <a:endParaRPr lang="en-US">
               <a:solidFill>
@@ -3142,7 +3126,7 @@
               <a:pPr>
                 <a:defRPr/>
               </a:pPr>
-              <a:t>Sunday, September 3, 2023</a:t>
+              <a:t>Monday, December 5, 2022</a:t>
             </a:fld>
             <a:endParaRPr lang="en-US">
               <a:solidFill>
@@ -3429,7 +3413,7 @@
               <a:pPr>
                 <a:defRPr/>
               </a:pPr>
-              <a:t>Sunday, September 3, 2023</a:t>
+              <a:t>Monday, December 5, 2022</a:t>
             </a:fld>
             <a:endParaRPr lang="en-US">
               <a:solidFill>
@@ -3689,7 +3673,7 @@
                 </a:spcAft>
                 <a:defRPr/>
               </a:pPr>
-              <a:t>Sunday, September 3, 2023</a:t>
+              <a:t>Monday, December 5, 2022</a:t>
             </a:fld>
             <a:endParaRPr lang="en-US">
               <a:solidFill>
@@ -4349,18 +4333,13 @@
           </a:p>
           <a:p>
             <a:r>
-              <a:rPr lang="en-US" sz="4400" dirty="0" err="1">
+              <a:rPr lang="en-US" sz="4400" dirty="0">
                 <a:highlight>
                   <a:srgbClr val="FFFF00"/>
                 </a:highlight>
               </a:rPr>
-              <a:t>uml</a:t>
-            </a:r>
-            <a:endParaRPr lang="en-US" sz="4400" dirty="0">
-              <a:highlight>
-                <a:srgbClr val="FFFF00"/>
-              </a:highlight>
-            </a:endParaRPr>
+              <a:t>__________</a:t>
+            </a:r>
           </a:p>
         </p:txBody>
       </p:sp>
@@ -6020,21 +5999,6 @@
 </file>
 
 <file path=customXml/item1.xml><?xml version="1.0" encoding="utf-8"?>
-<p:properties xmlns:p="http://schemas.microsoft.com/office/2006/metadata/properties" xmlns:xsi="http://www.w3.org/2001/XMLSchema-instance" xmlns:pc="http://schemas.microsoft.com/office/infopath/2007/PartnerControls">
-  <documentManagement/>
-</p:properties>
-</file>
-
-<file path=customXml/item2.xml><?xml version="1.0" encoding="utf-8"?>
-<?mso-contentType ?>
-<FormTemplates xmlns="http://schemas.microsoft.com/sharepoint/v3/contenttype/forms">
-  <Display>DocumentLibraryForm</Display>
-  <Edit>DocumentLibraryForm</Edit>
-  <New>DocumentLibraryForm</New>
-</FormTemplates>
-</file>
-
-<file path=customXml/item3.xml><?xml version="1.0" encoding="utf-8"?>
 <ct:contentTypeSchema xmlns:ct="http://schemas.microsoft.com/office/2006/metadata/contentType" xmlns:ma="http://schemas.microsoft.com/office/2006/metadata/properties/metaAttributes" ct:_="" ma:_="" ma:contentTypeName="Document" ma:contentTypeID="0x0101004285D81DBE5F5A448E892B34D6B8CF20" ma:contentTypeVersion="2" ma:contentTypeDescription="Create a new document." ma:contentTypeScope="" ma:versionID="026ccaf10de5d9915dfa48c6db16b59b">
   <xsd:schema xmlns:xsd="http://www.w3.org/2001/XMLSchema" xmlns:xs="http://www.w3.org/2001/XMLSchema" xmlns:p="http://schemas.microsoft.com/office/2006/metadata/properties" xmlns:ns2="08600313-7276-4ca7-b5d3-7d86193ee0ac" targetNamespace="http://schemas.microsoft.com/office/2006/metadata/properties" ma:root="true" ma:fieldsID="c887e4ee215f388544e22a2030d7ea35" ns2:_="">
     <xsd:import namespace="08600313-7276-4ca7-b5d3-7d86193ee0ac"/>
@@ -6166,31 +6130,22 @@
 </ct:contentTypeSchema>
 </file>
 
-<file path=customXml/itemProps1.xml><?xml version="1.0" encoding="utf-8"?>
-<ds:datastoreItem xmlns:ds="http://schemas.openxmlformats.org/officeDocument/2006/customXml" ds:itemID="{0B642D87-A87A-4599-A6E2-B9CD1C09F0FA}">
-  <ds:schemaRefs>
-    <ds:schemaRef ds:uri="http://purl.org/dc/terms/"/>
-    <ds:schemaRef ds:uri="http://schemas.microsoft.com/office/2006/metadata/properties"/>
-    <ds:schemaRef ds:uri="http://schemas.openxmlformats.org/package/2006/metadata/core-properties"/>
-    <ds:schemaRef ds:uri="http://purl.org/dc/dcmitype/"/>
-    <ds:schemaRef ds:uri="http://purl.org/dc/elements/1.1/"/>
-    <ds:schemaRef ds:uri="http://schemas.microsoft.com/office/infopath/2007/PartnerControls"/>
-    <ds:schemaRef ds:uri="http://www.w3.org/XML/1998/namespace"/>
-    <ds:schemaRef ds:uri="79ddb764-415a-4c38-83b7-908be6382bea"/>
-    <ds:schemaRef ds:uri="http://schemas.microsoft.com/office/2006/documentManagement/types"/>
-  </ds:schemaRefs>
-</ds:datastoreItem>
+<file path=customXml/item2.xml><?xml version="1.0" encoding="utf-8"?>
+<?mso-contentType ?>
+<FormTemplates xmlns="http://schemas.microsoft.com/sharepoint/v3/contenttype/forms">
+  <Display>DocumentLibraryForm</Display>
+  <Edit>DocumentLibraryForm</Edit>
+  <New>DocumentLibraryForm</New>
+</FormTemplates>
 </file>
 
-<file path=customXml/itemProps2.xml><?xml version="1.0" encoding="utf-8"?>
-<ds:datastoreItem xmlns:ds="http://schemas.openxmlformats.org/officeDocument/2006/customXml" ds:itemID="{41D8B4DC-B6A1-4423-9A40-D80850572599}">
-  <ds:schemaRefs>
-    <ds:schemaRef ds:uri="http://schemas.microsoft.com/sharepoint/v3/contenttype/forms"/>
-  </ds:schemaRefs>
-</ds:datastoreItem>
+<file path=customXml/item3.xml><?xml version="1.0" encoding="utf-8"?>
+<p:properties xmlns:p="http://schemas.microsoft.com/office/2006/metadata/properties" xmlns:xsi="http://www.w3.org/2001/XMLSchema-instance" xmlns:pc="http://schemas.microsoft.com/office/infopath/2007/PartnerControls">
+  <documentManagement/>
+</p:properties>
 </file>
 
-<file path=customXml/itemProps3.xml><?xml version="1.0" encoding="utf-8"?>
+<file path=customXml/itemProps1.xml><?xml version="1.0" encoding="utf-8"?>
 <ds:datastoreItem xmlns:ds="http://schemas.openxmlformats.org/officeDocument/2006/customXml" ds:itemID="{33DBEA94-FCF4-49BF-A3E9-3226927C886C}">
   <ds:schemaRefs>
     <ds:schemaRef ds:uri="http://schemas.microsoft.com/office/2006/metadata/contentType"/>
@@ -6206,4 +6161,28 @@
     <ds:schemaRef ds:uri="http://schemas.microsoft.com/internal/obd"/>
   </ds:schemaRefs>
 </ds:datastoreItem>
+</file>
+
+<file path=customXml/itemProps2.xml><?xml version="1.0" encoding="utf-8"?>
+<ds:datastoreItem xmlns:ds="http://schemas.openxmlformats.org/officeDocument/2006/customXml" ds:itemID="{41D8B4DC-B6A1-4423-9A40-D80850572599}">
+  <ds:schemaRefs>
+    <ds:schemaRef ds:uri="http://schemas.microsoft.com/sharepoint/v3/contenttype/forms"/>
+  </ds:schemaRefs>
+</ds:datastoreItem>
+</file>
+
+<file path=customXml/itemProps3.xml><?xml version="1.0" encoding="utf-8"?>
+<ds:datastoreItem xmlns:ds="http://schemas.openxmlformats.org/officeDocument/2006/customXml" ds:itemID="{0B642D87-A87A-4599-A6E2-B9CD1C09F0FA}">
+  <ds:schemaRefs>
+    <ds:schemaRef ds:uri="http://purl.org/dc/terms/"/>
+    <ds:schemaRef ds:uri="http://schemas.microsoft.com/office/2006/metadata/properties"/>
+    <ds:schemaRef ds:uri="http://schemas.openxmlformats.org/package/2006/metadata/core-properties"/>
+    <ds:schemaRef ds:uri="http://purl.org/dc/dcmitype/"/>
+    <ds:schemaRef ds:uri="http://purl.org/dc/elements/1.1/"/>
+    <ds:schemaRef ds:uri="http://schemas.microsoft.com/office/infopath/2007/PartnerControls"/>
+    <ds:schemaRef ds:uri="http://www.w3.org/XML/1998/namespace"/>
+    <ds:schemaRef ds:uri="79ddb764-415a-4c38-83b7-908be6382bea"/>
+    <ds:schemaRef ds:uri="http://schemas.microsoft.com/office/2006/documentManagement/types"/>
+  </ds:schemaRefs>
+</ds:datastoreItem>
 </file>
--- a/ClassMaterials/SETechniques/Slides/Part1-SETechniques-Intro.pptx
+++ b/ClassMaterials/SETechniques/Slides/Part1-SETechniques-Intro.pptx
@@ -146,16 +146,32 @@
 </p:cmAuthorLst>
 </file>
 
-<file path=ppt/revisionInfo.xml><?xml version="1.0" encoding="utf-8"?>
-<p1510:revInfo xmlns:a="http://schemas.openxmlformats.org/drawingml/2006/main" xmlns:r="http://schemas.openxmlformats.org/officeDocument/2006/relationships" xmlns:p1510="http://schemas.microsoft.com/office/powerpoint/2015/10/main">
-  <p1510:revLst>
-    <p1510:client id="{F1CF9C36-F4F8-1B4D-AD1D-058936833E34}" v="2" dt="2022-03-17T12:55:39.675"/>
-  </p1510:revLst>
-</p1510:revInfo>
-</file>
-
 <file path=ppt/changesInfos/changesInfo1.xml><?xml version="1.0" encoding="utf-8"?>
 <pc:chgInfo xmlns:a="http://schemas.openxmlformats.org/drawingml/2006/main" xmlns:r="http://schemas.openxmlformats.org/officeDocument/2006/relationships" xmlns:ac="http://schemas.microsoft.com/office/drawing/2013/main/command" xmlns:pc="http://schemas.microsoft.com/office/powerpoint/2013/main/command">
+  <pc:docChgLst>
+    <pc:chgData name="Yoder, Jason" userId="28f4d4d8-da04-4f86-b14d-a21675737bc5" providerId="ADAL" clId="{708E4BA2-1A16-4984-848B-7C9DF3B925DE}"/>
+    <pc:docChg chg="modSld">
+      <pc:chgData name="Yoder, Jason" userId="28f4d4d8-da04-4f86-b14d-a21675737bc5" providerId="ADAL" clId="{708E4BA2-1A16-4984-848B-7C9DF3B925DE}" dt="2023-11-21T15:48:35.559" v="31" actId="6549"/>
+      <pc:docMkLst>
+        <pc:docMk/>
+      </pc:docMkLst>
+      <pc:sldChg chg="modSp mod">
+        <pc:chgData name="Yoder, Jason" userId="28f4d4d8-da04-4f86-b14d-a21675737bc5" providerId="ADAL" clId="{708E4BA2-1A16-4984-848B-7C9DF3B925DE}" dt="2023-11-21T15:48:35.559" v="31" actId="6549"/>
+        <pc:sldMkLst>
+          <pc:docMk/>
+          <pc:sldMk cId="1553627413" sldId="303"/>
+        </pc:sldMkLst>
+        <pc:spChg chg="mod">
+          <ac:chgData name="Yoder, Jason" userId="28f4d4d8-da04-4f86-b14d-a21675737bc5" providerId="ADAL" clId="{708E4BA2-1A16-4984-848B-7C9DF3B925DE}" dt="2023-11-21T15:48:35.559" v="31" actId="6549"/>
+          <ac:spMkLst>
+            <pc:docMk/>
+            <pc:sldMk cId="1553627413" sldId="303"/>
+            <ac:spMk id="7" creationId="{8C278F77-3A87-5847-99C2-352DD6917346}"/>
+          </ac:spMkLst>
+        </pc:spChg>
+      </pc:sldChg>
+    </pc:docChg>
+  </pc:docChgLst>
   <pc:docChgLst>
     <pc:chgData name="Manthey, Logan" userId="S::manthelt@rose-hulman.edu::773bc5b9-9de0-46b3-a4de-e2e10dd6e0b0" providerId="AD" clId="Web-{15BF6D29-5962-4D3E-A17D-49361B4B4260}"/>
     <pc:docChg chg="modSld">
@@ -302,7 +318,7 @@
           <a:p>
             <a:fld id="{A470E182-4433-B944-AF35-723DFC7F8728}" type="datetimeFigureOut">
               <a:rPr lang="en-US" smtClean="0"/>
-              <a:t>12/5/2022</a:t>
+              <a:t>11/21/2023</a:t>
             </a:fld>
             <a:endParaRPr lang="en-US"/>
           </a:p>
@@ -467,7 +483,7 @@
           <a:p>
             <a:fld id="{C12EF212-CCF8-3B4F-9C5F-A87F03513D57}" type="datetimeFigureOut">
               <a:rPr lang="en-US" smtClean="0"/>
-              <a:t>12/5/2022</a:t>
+              <a:t>11/21/2023</a:t>
             </a:fld>
             <a:endParaRPr lang="en-US"/>
           </a:p>
@@ -982,7 +998,7 @@
               <a:pPr>
                 <a:defRPr/>
               </a:pPr>
-              <a:t>Monday, December 5, 2022</a:t>
+              <a:t>Tuesday, November 21, 2023</a:t>
             </a:fld>
             <a:endParaRPr lang="en-US"/>
           </a:p>
@@ -1175,7 +1191,7 @@
               <a:pPr>
                 <a:defRPr/>
               </a:pPr>
-              <a:t>Monday, December 5, 2022</a:t>
+              <a:t>Tuesday, November 21, 2023</a:t>
             </a:fld>
             <a:endParaRPr lang="en-US">
               <a:solidFill>
@@ -1388,7 +1404,7 @@
               <a:pPr>
                 <a:defRPr/>
               </a:pPr>
-              <a:t>Monday, December 5, 2022</a:t>
+              <a:t>Tuesday, November 21, 2023</a:t>
             </a:fld>
             <a:endParaRPr lang="en-US">
               <a:solidFill>
@@ -1591,7 +1607,7 @@
               <a:pPr>
                 <a:defRPr/>
               </a:pPr>
-              <a:t>Monday, December 5, 2022</a:t>
+              <a:t>Tuesday, November 21, 2023</a:t>
             </a:fld>
             <a:endParaRPr lang="en-US">
               <a:solidFill>
@@ -1871,7 +1887,7 @@
               <a:pPr>
                 <a:defRPr/>
               </a:pPr>
-              <a:t>Monday, December 5, 2022</a:t>
+              <a:t>Tuesday, November 21, 2023</a:t>
             </a:fld>
             <a:endParaRPr lang="en-US">
               <a:solidFill>
@@ -2135,7 +2151,7 @@
               <a:pPr>
                 <a:defRPr/>
               </a:pPr>
-              <a:t>Monday, December 5, 2022</a:t>
+              <a:t>Tuesday, November 21, 2023</a:t>
             </a:fld>
             <a:endParaRPr lang="en-US">
               <a:solidFill>
@@ -2534,7 +2550,7 @@
               <a:pPr>
                 <a:defRPr/>
               </a:pPr>
-              <a:t>Monday, December 5, 2022</a:t>
+              <a:t>Tuesday, November 21, 2023</a:t>
             </a:fld>
             <a:endParaRPr lang="en-US">
               <a:solidFill>
@@ -2686,7 +2702,7 @@
               <a:pPr>
                 <a:defRPr/>
               </a:pPr>
-              <a:t>Monday, December 5, 2022</a:t>
+              <a:t>Tuesday, November 21, 2023</a:t>
             </a:fld>
             <a:endParaRPr lang="en-US">
               <a:solidFill>
@@ -2816,7 +2832,7 @@
               <a:pPr>
                 <a:defRPr/>
               </a:pPr>
-              <a:t>Monday, December 5, 2022</a:t>
+              <a:t>Tuesday, November 21, 2023</a:t>
             </a:fld>
             <a:endParaRPr lang="en-US">
               <a:solidFill>
@@ -3126,7 +3142,7 @@
               <a:pPr>
                 <a:defRPr/>
               </a:pPr>
-              <a:t>Monday, December 5, 2022</a:t>
+              <a:t>Tuesday, November 21, 2023</a:t>
             </a:fld>
             <a:endParaRPr lang="en-US">
               <a:solidFill>
@@ -3413,7 +3429,7 @@
               <a:pPr>
                 <a:defRPr/>
               </a:pPr>
-              <a:t>Monday, December 5, 2022</a:t>
+              <a:t>Tuesday, November 21, 2023</a:t>
             </a:fld>
             <a:endParaRPr lang="en-US">
               <a:solidFill>
@@ -3673,7 +3689,7 @@
                 </a:spcAft>
                 <a:defRPr/>
               </a:pPr>
-              <a:t>Monday, December 5, 2022</a:t>
+              <a:t>Tuesday, November 21, 2023</a:t>
             </a:fld>
             <a:endParaRPr lang="en-US">
               <a:solidFill>
@@ -4198,8 +4214,8 @@
         </p:nvSpPr>
         <p:spPr>
           <a:xfrm>
-            <a:off x="304800" y="4918754"/>
-            <a:ext cx="8534400" cy="1565186"/>
+            <a:off x="304800" y="4529308"/>
+            <a:ext cx="8534400" cy="2020082"/>
           </a:xfrm>
           <a:prstGeom prst="rect">
             <a:avLst/>
@@ -4272,6 +4288,49 @@
             <a:r>
               <a:rPr lang="en-US" sz="2400" i="1" dirty="0" err="1"/>
               <a:t>PracticeFirstOODesignSolution</a:t>
+            </a:r>
+            <a:endParaRPr lang="en-US" sz="2400" i="1" dirty="0"/>
+          </a:p>
+          <a:p>
+            <a:r>
+              <a:rPr lang="en-US" sz="2400" dirty="0">
+                <a:solidFill>
+                  <a:srgbClr val="FFFFFF"/>
+                </a:solidFill>
+              </a:rPr>
+              <a:t>The </a:t>
+            </a:r>
+            <a:r>
+              <a:rPr lang="en-US" sz="2400" i="1" dirty="0">
+                <a:solidFill>
+                  <a:srgbClr val="FFFFFF"/>
+                </a:solidFill>
+              </a:rPr>
+              <a:t>Quiz</a:t>
+            </a:r>
+            <a:r>
+              <a:rPr lang="en-US" sz="2400" dirty="0">
+                <a:solidFill>
+                  <a:srgbClr val="FFFFFF"/>
+                </a:solidFill>
+              </a:rPr>
+              <a:t> for today is</a:t>
+            </a:r>
+            <a:endParaRPr lang="en-US" sz="2400" i="1" dirty="0">
+              <a:solidFill>
+                <a:srgbClr val="FFFFFF"/>
+              </a:solidFill>
+            </a:endParaRPr>
+          </a:p>
+          <a:p>
+            <a:pPr marL="298450" lvl="0"/>
+            <a:r>
+              <a:rPr lang="en-US" sz="2400" i="1" dirty="0" err="1">
+                <a:solidFill>
+                  <a:srgbClr val="FFFFFF"/>
+                </a:solidFill>
+              </a:rPr>
+              <a:t>SETechniquesQuiz</a:t>
             </a:r>
             <a:endParaRPr lang="en-US" sz="2400" i="1" dirty="0"/>
           </a:p>
@@ -5999,6 +6058,21 @@
 </file>
 
 <file path=customXml/item1.xml><?xml version="1.0" encoding="utf-8"?>
+<p:properties xmlns:p="http://schemas.microsoft.com/office/2006/metadata/properties" xmlns:xsi="http://www.w3.org/2001/XMLSchema-instance" xmlns:pc="http://schemas.microsoft.com/office/infopath/2007/PartnerControls">
+  <documentManagement/>
+</p:properties>
+</file>
+
+<file path=customXml/item2.xml><?xml version="1.0" encoding="utf-8"?>
+<?mso-contentType ?>
+<FormTemplates xmlns="http://schemas.microsoft.com/sharepoint/v3/contenttype/forms">
+  <Display>DocumentLibraryForm</Display>
+  <Edit>DocumentLibraryForm</Edit>
+  <New>DocumentLibraryForm</New>
+</FormTemplates>
+</file>
+
+<file path=customXml/item3.xml><?xml version="1.0" encoding="utf-8"?>
 <ct:contentTypeSchema xmlns:ct="http://schemas.microsoft.com/office/2006/metadata/contentType" xmlns:ma="http://schemas.microsoft.com/office/2006/metadata/properties/metaAttributes" ct:_="" ma:_="" ma:contentTypeName="Document" ma:contentTypeID="0x0101004285D81DBE5F5A448E892B34D6B8CF20" ma:contentTypeVersion="2" ma:contentTypeDescription="Create a new document." ma:contentTypeScope="" ma:versionID="026ccaf10de5d9915dfa48c6db16b59b">
   <xsd:schema xmlns:xsd="http://www.w3.org/2001/XMLSchema" xmlns:xs="http://www.w3.org/2001/XMLSchema" xmlns:p="http://schemas.microsoft.com/office/2006/metadata/properties" xmlns:ns2="08600313-7276-4ca7-b5d3-7d86193ee0ac" targetNamespace="http://schemas.microsoft.com/office/2006/metadata/properties" ma:root="true" ma:fieldsID="c887e4ee215f388544e22a2030d7ea35" ns2:_="">
     <xsd:import namespace="08600313-7276-4ca7-b5d3-7d86193ee0ac"/>
@@ -6130,22 +6204,31 @@
 </ct:contentTypeSchema>
 </file>
 
-<file path=customXml/item2.xml><?xml version="1.0" encoding="utf-8"?>
-<?mso-contentType ?>
-<FormTemplates xmlns="http://schemas.microsoft.com/sharepoint/v3/contenttype/forms">
-  <Display>DocumentLibraryForm</Display>
-  <Edit>DocumentLibraryForm</Edit>
-  <New>DocumentLibraryForm</New>
-</FormTemplates>
+<file path=customXml/itemProps1.xml><?xml version="1.0" encoding="utf-8"?>
+<ds:datastoreItem xmlns:ds="http://schemas.openxmlformats.org/officeDocument/2006/customXml" ds:itemID="{0B642D87-A87A-4599-A6E2-B9CD1C09F0FA}">
+  <ds:schemaRefs>
+    <ds:schemaRef ds:uri="http://purl.org/dc/terms/"/>
+    <ds:schemaRef ds:uri="http://schemas.microsoft.com/office/2006/metadata/properties"/>
+    <ds:schemaRef ds:uri="http://schemas.openxmlformats.org/package/2006/metadata/core-properties"/>
+    <ds:schemaRef ds:uri="http://purl.org/dc/dcmitype/"/>
+    <ds:schemaRef ds:uri="http://purl.org/dc/elements/1.1/"/>
+    <ds:schemaRef ds:uri="http://schemas.microsoft.com/office/infopath/2007/PartnerControls"/>
+    <ds:schemaRef ds:uri="http://www.w3.org/XML/1998/namespace"/>
+    <ds:schemaRef ds:uri="79ddb764-415a-4c38-83b7-908be6382bea"/>
+    <ds:schemaRef ds:uri="http://schemas.microsoft.com/office/2006/documentManagement/types"/>
+  </ds:schemaRefs>
+</ds:datastoreItem>
 </file>
 
-<file path=customXml/item3.xml><?xml version="1.0" encoding="utf-8"?>
-<p:properties xmlns:p="http://schemas.microsoft.com/office/2006/metadata/properties" xmlns:xsi="http://www.w3.org/2001/XMLSchema-instance" xmlns:pc="http://schemas.microsoft.com/office/infopath/2007/PartnerControls">
-  <documentManagement/>
-</p:properties>
+<file path=customXml/itemProps2.xml><?xml version="1.0" encoding="utf-8"?>
+<ds:datastoreItem xmlns:ds="http://schemas.openxmlformats.org/officeDocument/2006/customXml" ds:itemID="{41D8B4DC-B6A1-4423-9A40-D80850572599}">
+  <ds:schemaRefs>
+    <ds:schemaRef ds:uri="http://schemas.microsoft.com/sharepoint/v3/contenttype/forms"/>
+  </ds:schemaRefs>
+</ds:datastoreItem>
 </file>
 
-<file path=customXml/itemProps1.xml><?xml version="1.0" encoding="utf-8"?>
+<file path=customXml/itemProps3.xml><?xml version="1.0" encoding="utf-8"?>
 <ds:datastoreItem xmlns:ds="http://schemas.openxmlformats.org/officeDocument/2006/customXml" ds:itemID="{33DBEA94-FCF4-49BF-A3E9-3226927C886C}">
   <ds:schemaRefs>
     <ds:schemaRef ds:uri="http://schemas.microsoft.com/office/2006/metadata/contentType"/>
@@ -6161,28 +6244,4 @@
     <ds:schemaRef ds:uri="http://schemas.microsoft.com/internal/obd"/>
   </ds:schemaRefs>
 </ds:datastoreItem>
-</file>
-
-<file path=customXml/itemProps2.xml><?xml version="1.0" encoding="utf-8"?>
-<ds:datastoreItem xmlns:ds="http://schemas.openxmlformats.org/officeDocument/2006/customXml" ds:itemID="{41D8B4DC-B6A1-4423-9A40-D80850572599}">
-  <ds:schemaRefs>
-    <ds:schemaRef ds:uri="http://schemas.microsoft.com/sharepoint/v3/contenttype/forms"/>
-  </ds:schemaRefs>
-</ds:datastoreItem>
-</file>
-
-<file path=customXml/itemProps3.xml><?xml version="1.0" encoding="utf-8"?>
-<ds:datastoreItem xmlns:ds="http://schemas.openxmlformats.org/officeDocument/2006/customXml" ds:itemID="{0B642D87-A87A-4599-A6E2-B9CD1C09F0FA}">
-  <ds:schemaRefs>
-    <ds:schemaRef ds:uri="http://purl.org/dc/terms/"/>
-    <ds:schemaRef ds:uri="http://schemas.microsoft.com/office/2006/metadata/properties"/>
-    <ds:schemaRef ds:uri="http://schemas.openxmlformats.org/package/2006/metadata/core-properties"/>
-    <ds:schemaRef ds:uri="http://purl.org/dc/dcmitype/"/>
-    <ds:schemaRef ds:uri="http://purl.org/dc/elements/1.1/"/>
-    <ds:schemaRef ds:uri="http://schemas.microsoft.com/office/infopath/2007/PartnerControls"/>
-    <ds:schemaRef ds:uri="http://www.w3.org/XML/1998/namespace"/>
-    <ds:schemaRef ds:uri="79ddb764-415a-4c38-83b7-908be6382bea"/>
-    <ds:schemaRef ds:uri="http://schemas.microsoft.com/office/2006/documentManagement/types"/>
-  </ds:schemaRefs>
-</ds:datastoreItem>
 </file>
--- a/ClassMaterials/SETechniques/Slides/Part1-SETechniques-Intro.pptx
+++ b/ClassMaterials/SETechniques/Slides/Part1-SETechniques-Intro.pptx
@@ -149,6 +149,30 @@
 <file path=ppt/changesInfos/changesInfo1.xml><?xml version="1.0" encoding="utf-8"?>
 <pc:chgInfo xmlns:a="http://schemas.openxmlformats.org/drawingml/2006/main" xmlns:r="http://schemas.openxmlformats.org/officeDocument/2006/relationships" xmlns:ac="http://schemas.microsoft.com/office/drawing/2013/main/command" xmlns:pc="http://schemas.microsoft.com/office/powerpoint/2013/main/command">
   <pc:docChgLst>
+    <pc:chgData name="Manthey, Logan" userId="S::manthelt@rose-hulman.edu::773bc5b9-9de0-46b3-a4de-e2e10dd6e0b0" providerId="AD" clId="Web-{15BF6D29-5962-4D3E-A17D-49361B4B4260}"/>
+    <pc:docChg chg="modSld">
+      <pc:chgData name="Manthey, Logan" userId="S::manthelt@rose-hulman.edu::773bc5b9-9de0-46b3-a4de-e2e10dd6e0b0" providerId="AD" clId="Web-{15BF6D29-5962-4D3E-A17D-49361B4B4260}" dt="2021-12-10T13:17:30.686" v="1" actId="20577"/>
+      <pc:docMkLst>
+        <pc:docMk/>
+      </pc:docMkLst>
+      <pc:sldChg chg="modSp">
+        <pc:chgData name="Manthey, Logan" userId="S::manthelt@rose-hulman.edu::773bc5b9-9de0-46b3-a4de-e2e10dd6e0b0" providerId="AD" clId="Web-{15BF6D29-5962-4D3E-A17D-49361B4B4260}" dt="2021-12-10T13:17:30.686" v="1" actId="20577"/>
+        <pc:sldMkLst>
+          <pc:docMk/>
+          <pc:sldMk cId="3555040520" sldId="258"/>
+        </pc:sldMkLst>
+        <pc:spChg chg="mod">
+          <ac:chgData name="Manthey, Logan" userId="S::manthelt@rose-hulman.edu::773bc5b9-9de0-46b3-a4de-e2e10dd6e0b0" providerId="AD" clId="Web-{15BF6D29-5962-4D3E-A17D-49361B4B4260}" dt="2021-12-10T13:17:30.686" v="1" actId="20577"/>
+          <ac:spMkLst>
+            <pc:docMk/>
+            <pc:sldMk cId="3555040520" sldId="258"/>
+            <ac:spMk id="2" creationId="{00000000-0000-0000-0000-000000000000}"/>
+          </ac:spMkLst>
+        </pc:spChg>
+      </pc:sldChg>
+    </pc:docChg>
+  </pc:docChgLst>
+  <pc:docChgLst>
     <pc:chgData name="Yoder, Jason" userId="28f4d4d8-da04-4f86-b14d-a21675737bc5" providerId="ADAL" clId="{708E4BA2-1A16-4984-848B-7C9DF3B925DE}"/>
     <pc:docChg chg="modSld">
       <pc:chgData name="Yoder, Jason" userId="28f4d4d8-da04-4f86-b14d-a21675737bc5" providerId="ADAL" clId="{708E4BA2-1A16-4984-848B-7C9DF3B925DE}" dt="2023-11-21T15:48:35.559" v="31" actId="6549"/>
@@ -167,30 +191,6 @@
             <pc:docMk/>
             <pc:sldMk cId="1553627413" sldId="303"/>
             <ac:spMk id="7" creationId="{8C278F77-3A87-5847-99C2-352DD6917346}"/>
-          </ac:spMkLst>
-        </pc:spChg>
-      </pc:sldChg>
-    </pc:docChg>
-  </pc:docChgLst>
-  <pc:docChgLst>
-    <pc:chgData name="Manthey, Logan" userId="S::manthelt@rose-hulman.edu::773bc5b9-9de0-46b3-a4de-e2e10dd6e0b0" providerId="AD" clId="Web-{15BF6D29-5962-4D3E-A17D-49361B4B4260}"/>
-    <pc:docChg chg="modSld">
-      <pc:chgData name="Manthey, Logan" userId="S::manthelt@rose-hulman.edu::773bc5b9-9de0-46b3-a4de-e2e10dd6e0b0" providerId="AD" clId="Web-{15BF6D29-5962-4D3E-A17D-49361B4B4260}" dt="2021-12-10T13:17:30.686" v="1" actId="20577"/>
-      <pc:docMkLst>
-        <pc:docMk/>
-      </pc:docMkLst>
-      <pc:sldChg chg="modSp">
-        <pc:chgData name="Manthey, Logan" userId="S::manthelt@rose-hulman.edu::773bc5b9-9de0-46b3-a4de-e2e10dd6e0b0" providerId="AD" clId="Web-{15BF6D29-5962-4D3E-A17D-49361B4B4260}" dt="2021-12-10T13:17:30.686" v="1" actId="20577"/>
-        <pc:sldMkLst>
-          <pc:docMk/>
-          <pc:sldMk cId="3555040520" sldId="258"/>
-        </pc:sldMkLst>
-        <pc:spChg chg="mod">
-          <ac:chgData name="Manthey, Logan" userId="S::manthelt@rose-hulman.edu::773bc5b9-9de0-46b3-a4de-e2e10dd6e0b0" providerId="AD" clId="Web-{15BF6D29-5962-4D3E-A17D-49361B4B4260}" dt="2021-12-10T13:17:30.686" v="1" actId="20577"/>
-          <ac:spMkLst>
-            <pc:docMk/>
-            <pc:sldMk cId="3555040520" sldId="258"/>
-            <ac:spMk id="2" creationId="{00000000-0000-0000-0000-000000000000}"/>
           </ac:spMkLst>
         </pc:spChg>
       </pc:sldChg>
@@ -318,7 +318,7 @@
           <a:p>
             <a:fld id="{A470E182-4433-B944-AF35-723DFC7F8728}" type="datetimeFigureOut">
               <a:rPr lang="en-US" smtClean="0"/>
-              <a:t>11/21/2023</a:t>
+              <a:t>2/26/2024</a:t>
             </a:fld>
             <a:endParaRPr lang="en-US"/>
           </a:p>
@@ -483,7 +483,7 @@
           <a:p>
             <a:fld id="{C12EF212-CCF8-3B4F-9C5F-A87F03513D57}" type="datetimeFigureOut">
               <a:rPr lang="en-US" smtClean="0"/>
-              <a:t>11/21/2023</a:t>
+              <a:t>2/26/2024</a:t>
             </a:fld>
             <a:endParaRPr lang="en-US"/>
           </a:p>
@@ -998,7 +998,7 @@
               <a:pPr>
                 <a:defRPr/>
               </a:pPr>
-              <a:t>Tuesday, November 21, 2023</a:t>
+              <a:t>Monday, February 26, 2024</a:t>
             </a:fld>
             <a:endParaRPr lang="en-US"/>
           </a:p>
@@ -1191,7 +1191,7 @@
               <a:pPr>
                 <a:defRPr/>
               </a:pPr>
-              <a:t>Tuesday, November 21, 2023</a:t>
+              <a:t>Monday, February 26, 2024</a:t>
             </a:fld>
             <a:endParaRPr lang="en-US">
               <a:solidFill>
@@ -1404,7 +1404,7 @@
               <a:pPr>
                 <a:defRPr/>
               </a:pPr>
-              <a:t>Tuesday, November 21, 2023</a:t>
+              <a:t>Monday, February 26, 2024</a:t>
             </a:fld>
             <a:endParaRPr lang="en-US">
               <a:solidFill>
@@ -1607,7 +1607,7 @@
               <a:pPr>
                 <a:defRPr/>
               </a:pPr>
-              <a:t>Tuesday, November 21, 2023</a:t>
+              <a:t>Monday, February 26, 2024</a:t>
             </a:fld>
             <a:endParaRPr lang="en-US">
               <a:solidFill>
@@ -1887,7 +1887,7 @@
               <a:pPr>
                 <a:defRPr/>
               </a:pPr>
-              <a:t>Tuesday, November 21, 2023</a:t>
+              <a:t>Monday, February 26, 2024</a:t>
             </a:fld>
             <a:endParaRPr lang="en-US">
               <a:solidFill>
@@ -2151,7 +2151,7 @@
               <a:pPr>
                 <a:defRPr/>
               </a:pPr>
-              <a:t>Tuesday, November 21, 2023</a:t>
+              <a:t>Monday, February 26, 2024</a:t>
             </a:fld>
             <a:endParaRPr lang="en-US">
               <a:solidFill>
@@ -2550,7 +2550,7 @@
               <a:pPr>
                 <a:defRPr/>
               </a:pPr>
-              <a:t>Tuesday, November 21, 2023</a:t>
+              <a:t>Monday, February 26, 2024</a:t>
             </a:fld>
             <a:endParaRPr lang="en-US">
               <a:solidFill>
@@ -2702,7 +2702,7 @@
               <a:pPr>
                 <a:defRPr/>
               </a:pPr>
-              <a:t>Tuesday, November 21, 2023</a:t>
+              <a:t>Monday, February 26, 2024</a:t>
             </a:fld>
             <a:endParaRPr lang="en-US">
               <a:solidFill>
@@ -2832,7 +2832,7 @@
               <a:pPr>
                 <a:defRPr/>
               </a:pPr>
-              <a:t>Tuesday, November 21, 2023</a:t>
+              <a:t>Monday, February 26, 2024</a:t>
             </a:fld>
             <a:endParaRPr lang="en-US">
               <a:solidFill>
@@ -3142,7 +3142,7 @@
               <a:pPr>
                 <a:defRPr/>
               </a:pPr>
-              <a:t>Tuesday, November 21, 2023</a:t>
+              <a:t>Monday, February 26, 2024</a:t>
             </a:fld>
             <a:endParaRPr lang="en-US">
               <a:solidFill>
@@ -3429,7 +3429,7 @@
               <a:pPr>
                 <a:defRPr/>
               </a:pPr>
-              <a:t>Tuesday, November 21, 2023</a:t>
+              <a:t>Monday, February 26, 2024</a:t>
             </a:fld>
             <a:endParaRPr lang="en-US">
               <a:solidFill>
@@ -3689,7 +3689,7 @@
                 </a:spcAft>
                 <a:defRPr/>
               </a:pPr>
-              <a:t>Tuesday, November 21, 2023</a:t>
+              <a:t>Monday, February 26, 2024</a:t>
             </a:fld>
             <a:endParaRPr lang="en-US">
               <a:solidFill>
@@ -4397,7 +4397,7 @@
                   <a:srgbClr val="FFFF00"/>
                 </a:highlight>
               </a:rPr>
-              <a:t>__________</a:t>
+              <a:t>___________</a:t>
             </a:r>
           </a:p>
         </p:txBody>
@@ -5113,11 +5113,13 @@
         </p:nvSpPr>
         <p:spPr/>
         <p:txBody>
-          <a:bodyPr/>
-          <a:lstStyle/>
-          <a:p>
-            <a:r>
-              <a:rPr lang="en-US"/>
+          <a:bodyPr>
+            <a:normAutofit/>
+          </a:bodyPr>
+          <a:lstStyle/>
+          <a:p>
+            <a:r>
+              <a:rPr lang="en-US" sz="4400" b="1" dirty="0"/>
               <a:t>Tools of the Trade - Diagramming</a:t>
             </a:r>
           </a:p>
@@ -5133,30 +5135,37 @@
             <p:ph idx="1"/>
           </p:nvPr>
         </p:nvSpPr>
-        <p:spPr/>
-        <p:txBody>
-          <a:bodyPr/>
-          <a:lstStyle/>
-          <a:p>
-            <a:r>
-              <a:rPr lang="en-US" dirty="0"/>
+        <p:spPr>
+          <a:xfrm>
+            <a:off x="0" y="1690689"/>
+            <a:ext cx="9144000" cy="4731371"/>
+          </a:xfrm>
+        </p:spPr>
+        <p:txBody>
+          <a:bodyPr>
+            <a:normAutofit/>
+          </a:bodyPr>
+          <a:lstStyle/>
+          <a:p>
+            <a:r>
+              <a:rPr lang="en-US" sz="2800" dirty="0"/>
               <a:t>Class Diagrams (UML)</a:t>
             </a:r>
           </a:p>
           <a:p>
             <a:r>
-              <a:rPr lang="en-US" dirty="0"/>
+              <a:rPr lang="en-US" sz="2800" dirty="0"/>
               <a:t>UML – Unified Modeling Language</a:t>
             </a:r>
           </a:p>
           <a:p>
             <a:pPr lvl="1"/>
             <a:r>
-              <a:rPr lang="en-US" sz="2100" dirty="0"/>
+              <a:rPr lang="en-US" sz="2800" dirty="0"/>
               <a:t>This is a diagramming language </a:t>
             </a:r>
             <a:r>
-              <a:rPr lang="en-US" sz="2100" dirty="0">
+              <a:rPr lang="en-US" sz="2800" dirty="0">
                 <a:solidFill>
                   <a:srgbClr val="FF0000"/>
                 </a:solidFill>
@@ -5164,39 +5173,43 @@
               <a:t>un</a:t>
             </a:r>
             <a:r>
-              <a:rPr lang="en-US" sz="2100" dirty="0"/>
+              <a:rPr lang="en-US" sz="2800" dirty="0"/>
               <a:t>specific or unconnected to any specific programming language</a:t>
             </a:r>
           </a:p>
           <a:p>
             <a:pPr lvl="1"/>
             <a:r>
-              <a:rPr lang="en-US" sz="2100" dirty="0"/>
+              <a:rPr lang="en-US" sz="2800" dirty="0"/>
               <a:t>UML supports many different types of diagrams</a:t>
             </a:r>
           </a:p>
           <a:p>
             <a:pPr lvl="1"/>
             <a:r>
-              <a:rPr lang="en-US" sz="2100" dirty="0"/>
+              <a:rPr lang="en-US" sz="2800" dirty="0"/>
               <a:t>CSSE220 will be using the </a:t>
             </a:r>
             <a:r>
-              <a:rPr lang="en-US" sz="2100" i="1" dirty="0"/>
+              <a:rPr lang="en-US" sz="2800" i="1" dirty="0"/>
               <a:t>class diagramming language</a:t>
             </a:r>
             <a:br>
-              <a:rPr lang="en-US" sz="2100" i="1" dirty="0"/>
+              <a:rPr lang="en-US" sz="2800" i="1" dirty="0"/>
             </a:br>
             <a:r>
-              <a:rPr lang="en-US" sz="2100" dirty="0"/>
-              <a:t>I.e., think Java classes</a:t>
+              <a:rPr lang="en-US" sz="2800" i="1" dirty="0"/>
+              <a:t>i</a:t>
+            </a:r>
+            <a:r>
+              <a:rPr lang="en-US" sz="2800" dirty="0"/>
+              <a:t>.e., think Java classes</a:t>
             </a:r>
           </a:p>
           <a:p>
             <a:pPr lvl="1"/>
             <a:r>
-              <a:rPr lang="en-US" sz="2100"/>
+              <a:rPr lang="en-US" sz="2800" dirty="0"/>
               <a:t>CSSE 37X courses make use of the other types of diagrams</a:t>
             </a:r>
           </a:p>

--- a/ClassMaterials/SETechniques/Slides/Part1-SETechniques-Intro.pptx
+++ b/ClassMaterials/SETechniques/Slides/Part1-SETechniques-Intro.pptx
@@ -318,7 +318,7 @@
           <a:p>
             <a:fld id="{A470E182-4433-B944-AF35-723DFC7F8728}" type="datetimeFigureOut">
               <a:rPr lang="en-US" smtClean="0"/>
-              <a:t>2/26/2024</a:t>
+              <a:t>3/14/2025</a:t>
             </a:fld>
             <a:endParaRPr lang="en-US"/>
           </a:p>
@@ -483,7 +483,7 @@
           <a:p>
             <a:fld id="{C12EF212-CCF8-3B4F-9C5F-A87F03513D57}" type="datetimeFigureOut">
               <a:rPr lang="en-US" smtClean="0"/>
-              <a:t>2/26/2024</a:t>
+              <a:t>3/14/2025</a:t>
             </a:fld>
             <a:endParaRPr lang="en-US"/>
           </a:p>
@@ -998,7 +998,7 @@
               <a:pPr>
                 <a:defRPr/>
               </a:pPr>
-              <a:t>Monday, February 26, 2024</a:t>
+              <a:t>Friday, March 14, 2025</a:t>
             </a:fld>
             <a:endParaRPr lang="en-US"/>
           </a:p>
@@ -1191,7 +1191,7 @@
               <a:pPr>
                 <a:defRPr/>
               </a:pPr>
-              <a:t>Monday, February 26, 2024</a:t>
+              <a:t>Friday, March 14, 2025</a:t>
             </a:fld>
             <a:endParaRPr lang="en-US">
               <a:solidFill>
@@ -1404,7 +1404,7 @@
               <a:pPr>
                 <a:defRPr/>
               </a:pPr>
-              <a:t>Monday, February 26, 2024</a:t>
+              <a:t>Friday, March 14, 2025</a:t>
             </a:fld>
             <a:endParaRPr lang="en-US">
               <a:solidFill>
@@ -1607,7 +1607,7 @@
               <a:pPr>
                 <a:defRPr/>
               </a:pPr>
-              <a:t>Monday, February 26, 2024</a:t>
+              <a:t>Friday, March 14, 2025</a:t>
             </a:fld>
             <a:endParaRPr lang="en-US">
               <a:solidFill>
@@ -1887,7 +1887,7 @@
               <a:pPr>
                 <a:defRPr/>
               </a:pPr>
-              <a:t>Monday, February 26, 2024</a:t>
+              <a:t>Friday, March 14, 2025</a:t>
             </a:fld>
             <a:endParaRPr lang="en-US">
               <a:solidFill>
@@ -2151,7 +2151,7 @@
               <a:pPr>
                 <a:defRPr/>
               </a:pPr>
-              <a:t>Monday, February 26, 2024</a:t>
+              <a:t>Friday, March 14, 2025</a:t>
             </a:fld>
             <a:endParaRPr lang="en-US">
               <a:solidFill>
@@ -2550,7 +2550,7 @@
               <a:pPr>
                 <a:defRPr/>
               </a:pPr>
-              <a:t>Monday, February 26, 2024</a:t>
+              <a:t>Friday, March 14, 2025</a:t>
             </a:fld>
             <a:endParaRPr lang="en-US">
               <a:solidFill>
@@ -2702,7 +2702,7 @@
               <a:pPr>
                 <a:defRPr/>
               </a:pPr>
-              <a:t>Monday, February 26, 2024</a:t>
+              <a:t>Friday, March 14, 2025</a:t>
             </a:fld>
             <a:endParaRPr lang="en-US">
               <a:solidFill>
@@ -2832,7 +2832,7 @@
               <a:pPr>
                 <a:defRPr/>
               </a:pPr>
-              <a:t>Monday, February 26, 2024</a:t>
+              <a:t>Friday, March 14, 2025</a:t>
             </a:fld>
             <a:endParaRPr lang="en-US">
               <a:solidFill>
@@ -3142,7 +3142,7 @@
               <a:pPr>
                 <a:defRPr/>
               </a:pPr>
-              <a:t>Monday, February 26, 2024</a:t>
+              <a:t>Friday, March 14, 2025</a:t>
             </a:fld>
             <a:endParaRPr lang="en-US">
               <a:solidFill>
@@ -3429,7 +3429,7 @@
               <a:pPr>
                 <a:defRPr/>
               </a:pPr>
-              <a:t>Monday, February 26, 2024</a:t>
+              <a:t>Friday, March 14, 2025</a:t>
             </a:fld>
             <a:endParaRPr lang="en-US">
               <a:solidFill>
@@ -3689,7 +3689,7 @@
                 </a:spcAft>
                 <a:defRPr/>
               </a:pPr>
-              <a:t>Monday, February 26, 2024</a:t>
+              <a:t>Friday, March 14, 2025</a:t>
             </a:fld>
             <a:endParaRPr lang="en-US">
               <a:solidFill>
@@ -4392,13 +4392,18 @@
           </a:p>
           <a:p>
             <a:r>
-              <a:rPr lang="en-US" sz="4400" dirty="0">
+              <a:rPr lang="en-US" sz="4400">
                 <a:highlight>
                   <a:srgbClr val="FFFF00"/>
                 </a:highlight>
               </a:rPr>
-              <a:t>___________</a:t>
-            </a:r>
+              <a:t>UML</a:t>
+            </a:r>
+            <a:endParaRPr lang="en-US" sz="4400" dirty="0">
+              <a:highlight>
+                <a:srgbClr val="FFFF00"/>
+              </a:highlight>
+            </a:endParaRPr>
           </a:p>
         </p:txBody>
       </p:sp>
@@ -6071,18 +6076,18 @@
 </file>
 
 <file path=customXml/item1.xml><?xml version="1.0" encoding="utf-8"?>
-<p:properties xmlns:p="http://schemas.microsoft.com/office/2006/metadata/properties" xmlns:xsi="http://www.w3.org/2001/XMLSchema-instance" xmlns:pc="http://schemas.microsoft.com/office/infopath/2007/PartnerControls">
-  <documentManagement/>
-</p:properties>
-</file>
-
-<file path=customXml/item2.xml><?xml version="1.0" encoding="utf-8"?>
 <?mso-contentType ?>
 <FormTemplates xmlns="http://schemas.microsoft.com/sharepoint/v3/contenttype/forms">
   <Display>DocumentLibraryForm</Display>
   <Edit>DocumentLibraryForm</Edit>
   <New>DocumentLibraryForm</New>
 </FormTemplates>
+</file>
+
+<file path=customXml/item2.xml><?xml version="1.0" encoding="utf-8"?>
+<p:properties xmlns:p="http://schemas.microsoft.com/office/2006/metadata/properties" xmlns:xsi="http://www.w3.org/2001/XMLSchema-instance" xmlns:pc="http://schemas.microsoft.com/office/infopath/2007/PartnerControls">
+  <documentManagement/>
+</p:properties>
 </file>
 
 <file path=customXml/item3.xml><?xml version="1.0" encoding="utf-8"?>
@@ -6218,6 +6223,14 @@
 </file>
 
 <file path=customXml/itemProps1.xml><?xml version="1.0" encoding="utf-8"?>
+<ds:datastoreItem xmlns:ds="http://schemas.openxmlformats.org/officeDocument/2006/customXml" ds:itemID="{41D8B4DC-B6A1-4423-9A40-D80850572599}">
+  <ds:schemaRefs>
+    <ds:schemaRef ds:uri="http://schemas.microsoft.com/sharepoint/v3/contenttype/forms"/>
+  </ds:schemaRefs>
+</ds:datastoreItem>
+</file>
+
+<file path=customXml/itemProps2.xml><?xml version="1.0" encoding="utf-8"?>
 <ds:datastoreItem xmlns:ds="http://schemas.openxmlformats.org/officeDocument/2006/customXml" ds:itemID="{0B642D87-A87A-4599-A6E2-B9CD1C09F0FA}">
   <ds:schemaRefs>
     <ds:schemaRef ds:uri="http://purl.org/dc/terms/"/>
@@ -6229,14 +6242,6 @@
     <ds:schemaRef ds:uri="http://www.w3.org/XML/1998/namespace"/>
     <ds:schemaRef ds:uri="79ddb764-415a-4c38-83b7-908be6382bea"/>
     <ds:schemaRef ds:uri="http://schemas.microsoft.com/office/2006/documentManagement/types"/>
-  </ds:schemaRefs>
-</ds:datastoreItem>
-</file>
-
-<file path=customXml/itemProps2.xml><?xml version="1.0" encoding="utf-8"?>
-<ds:datastoreItem xmlns:ds="http://schemas.openxmlformats.org/officeDocument/2006/customXml" ds:itemID="{41D8B4DC-B6A1-4423-9A40-D80850572599}">
-  <ds:schemaRefs>
-    <ds:schemaRef ds:uri="http://schemas.microsoft.com/sharepoint/v3/contenttype/forms"/>
   </ds:schemaRefs>
 </ds:datastoreItem>
 </file>

--- a/ClassMaterials/SETechniques/Slides/Part1-SETechniques-Intro.pptx
+++ b/ClassMaterials/SETechniques/Slides/Part1-SETechniques-Intro.pptx
@@ -318,7 +318,7 @@
           <a:p>
             <a:fld id="{A470E182-4433-B944-AF35-723DFC7F8728}" type="datetimeFigureOut">
               <a:rPr lang="en-US" smtClean="0"/>
-              <a:t>3/14/2025</a:t>
+              <a:t>4/22/2025</a:t>
             </a:fld>
             <a:endParaRPr lang="en-US"/>
           </a:p>
@@ -483,7 +483,7 @@
           <a:p>
             <a:fld id="{C12EF212-CCF8-3B4F-9C5F-A87F03513D57}" type="datetimeFigureOut">
               <a:rPr lang="en-US" smtClean="0"/>
-              <a:t>3/14/2025</a:t>
+              <a:t>4/22/2025</a:t>
             </a:fld>
             <a:endParaRPr lang="en-US"/>
           </a:p>
@@ -998,7 +998,7 @@
               <a:pPr>
                 <a:defRPr/>
               </a:pPr>
-              <a:t>Friday, March 14, 2025</a:t>
+              <a:t>Tuesday, April 22, 2025</a:t>
             </a:fld>
             <a:endParaRPr lang="en-US"/>
           </a:p>
@@ -1191,7 +1191,7 @@
               <a:pPr>
                 <a:defRPr/>
               </a:pPr>
-              <a:t>Friday, March 14, 2025</a:t>
+              <a:t>Tuesday, April 22, 2025</a:t>
             </a:fld>
             <a:endParaRPr lang="en-US">
               <a:solidFill>
@@ -1404,7 +1404,7 @@
               <a:pPr>
                 <a:defRPr/>
               </a:pPr>
-              <a:t>Friday, March 14, 2025</a:t>
+              <a:t>Tuesday, April 22, 2025</a:t>
             </a:fld>
             <a:endParaRPr lang="en-US">
               <a:solidFill>
@@ -1607,7 +1607,7 @@
               <a:pPr>
                 <a:defRPr/>
               </a:pPr>
-              <a:t>Friday, March 14, 2025</a:t>
+              <a:t>Tuesday, April 22, 2025</a:t>
             </a:fld>
             <a:endParaRPr lang="en-US">
               <a:solidFill>
@@ -1887,7 +1887,7 @@
               <a:pPr>
                 <a:defRPr/>
               </a:pPr>
-              <a:t>Friday, March 14, 2025</a:t>
+              <a:t>Tuesday, April 22, 2025</a:t>
             </a:fld>
             <a:endParaRPr lang="en-US">
               <a:solidFill>
@@ -2151,7 +2151,7 @@
               <a:pPr>
                 <a:defRPr/>
               </a:pPr>
-              <a:t>Friday, March 14, 2025</a:t>
+              <a:t>Tuesday, April 22, 2025</a:t>
             </a:fld>
             <a:endParaRPr lang="en-US">
               <a:solidFill>
@@ -2550,7 +2550,7 @@
               <a:pPr>
                 <a:defRPr/>
               </a:pPr>
-              <a:t>Friday, March 14, 2025</a:t>
+              <a:t>Tuesday, April 22, 2025</a:t>
             </a:fld>
             <a:endParaRPr lang="en-US">
               <a:solidFill>
@@ -2702,7 +2702,7 @@
               <a:pPr>
                 <a:defRPr/>
               </a:pPr>
-              <a:t>Friday, March 14, 2025</a:t>
+              <a:t>Tuesday, April 22, 2025</a:t>
             </a:fld>
             <a:endParaRPr lang="en-US">
               <a:solidFill>
@@ -2832,7 +2832,7 @@
               <a:pPr>
                 <a:defRPr/>
               </a:pPr>
-              <a:t>Friday, March 14, 2025</a:t>
+              <a:t>Tuesday, April 22, 2025</a:t>
             </a:fld>
             <a:endParaRPr lang="en-US">
               <a:solidFill>
@@ -3142,7 +3142,7 @@
               <a:pPr>
                 <a:defRPr/>
               </a:pPr>
-              <a:t>Friday, March 14, 2025</a:t>
+              <a:t>Tuesday, April 22, 2025</a:t>
             </a:fld>
             <a:endParaRPr lang="en-US">
               <a:solidFill>
@@ -3429,7 +3429,7 @@
               <a:pPr>
                 <a:defRPr/>
               </a:pPr>
-              <a:t>Friday, March 14, 2025</a:t>
+              <a:t>Tuesday, April 22, 2025</a:t>
             </a:fld>
             <a:endParaRPr lang="en-US">
               <a:solidFill>
@@ -3689,7 +3689,7 @@
                 </a:spcAft>
                 <a:defRPr/>
               </a:pPr>
-              <a:t>Friday, March 14, 2025</a:t>
+              <a:t>Tuesday, April 22, 2025</a:t>
             </a:fld>
             <a:endParaRPr lang="en-US">
               <a:solidFill>
@@ -4336,77 +4336,6 @@
           </a:p>
         </p:txBody>
       </p:sp>
-      <p:sp>
-        <p:nvSpPr>
-          <p:cNvPr id="2" name="TextBox 1">
-            <a:extLst>
-              <a:ext uri="{FF2B5EF4-FFF2-40B4-BE49-F238E27FC236}">
-                <a16:creationId xmlns:a16="http://schemas.microsoft.com/office/drawing/2014/main" id="{90506C26-9284-E887-E258-4243FDBB9D28}"/>
-              </a:ext>
-            </a:extLst>
-          </p:cNvPr>
-          <p:cNvSpPr txBox="1"/>
-          <p:nvPr/>
-        </p:nvSpPr>
-        <p:spPr>
-          <a:xfrm>
-            <a:off x="4038600" y="672930"/>
-            <a:ext cx="4619625" cy="1046440"/>
-          </a:xfrm>
-          <a:prstGeom prst="rect">
-            <a:avLst/>
-          </a:prstGeom>
-          <a:noFill/>
-          <a:ln w="12700" cap="flat">
-            <a:noFill/>
-            <a:miter lim="400000"/>
-          </a:ln>
-          <a:effectLst/>
-        </p:spPr>
-        <p:style>
-          <a:lnRef idx="0">
-            <a:scrgbClr r="0" g="0" b="0"/>
-          </a:lnRef>
-          <a:fillRef idx="0">
-            <a:scrgbClr r="0" g="0" b="0"/>
-          </a:fillRef>
-          <a:effectRef idx="0">
-            <a:scrgbClr r="0" g="0" b="0"/>
-          </a:effectRef>
-          <a:fontRef idx="none"/>
-        </p:style>
-        <p:txBody>
-          <a:bodyPr wrap="square">
-            <a:spAutoFit/>
-          </a:bodyPr>
-          <a:lstStyle/>
-          <a:p>
-            <a:r>
-              <a:rPr lang="en-US" dirty="0">
-                <a:highlight>
-                  <a:srgbClr val="FFFF00"/>
-                </a:highlight>
-              </a:rPr>
-              <a:t>Today’s Attendance password</a:t>
-            </a:r>
-          </a:p>
-          <a:p>
-            <a:r>
-              <a:rPr lang="en-US" sz="4400">
-                <a:highlight>
-                  <a:srgbClr val="FFFF00"/>
-                </a:highlight>
-              </a:rPr>
-              <a:t>UML</a:t>
-            </a:r>
-            <a:endParaRPr lang="en-US" sz="4400" dirty="0">
-              <a:highlight>
-                <a:srgbClr val="FFFF00"/>
-              </a:highlight>
-            </a:endParaRPr>
-          </a:p>
-        </p:txBody>
-      </p:sp>
       <p:pic>
         <p:nvPicPr>
           <p:cNvPr id="3" name="Picture 2">
@@ -4429,7 +4358,7 @@
         </p:blipFill>
         <p:spPr>
           <a:xfrm>
-            <a:off x="485775" y="115598"/>
+            <a:off x="388499" y="232330"/>
             <a:ext cx="2683719" cy="2324076"/>
           </a:xfrm>
           <a:prstGeom prst="rect">
@@ -4437,6 +4366,69 @@
           </a:prstGeom>
         </p:spPr>
       </p:pic>
+      <p:sp>
+        <p:nvSpPr>
+          <p:cNvPr id="6" name="Shape 54">
+            <a:extLst>
+              <a:ext uri="{FF2B5EF4-FFF2-40B4-BE49-F238E27FC236}">
+                <a16:creationId xmlns:a16="http://schemas.microsoft.com/office/drawing/2014/main" id="{596A894F-0C6B-1BF0-B704-B31BD0DE3BB1}"/>
+              </a:ext>
+            </a:extLst>
+          </p:cNvPr>
+          <p:cNvSpPr/>
+          <p:nvPr/>
+        </p:nvSpPr>
+        <p:spPr>
+          <a:xfrm>
+            <a:off x="3298958" y="232330"/>
+            <a:ext cx="3346430" cy="738664"/>
+          </a:xfrm>
+          <a:prstGeom prst="rect">
+            <a:avLst/>
+          </a:prstGeom>
+          <a:solidFill>
+            <a:srgbClr val="9BBB59"/>
+          </a:solidFill>
+          <a:ln w="25400" cap="rnd">
+            <a:solidFill>
+              <a:srgbClr val="718841"/>
+            </a:solidFill>
+          </a:ln>
+          <a:extLst>
+            <a:ext uri="{C572A759-6A51-4108-AA02-DFA0A04FC94B}">
+              <ma14:wrappingTextBoxFlag xmlns:ma14="http://schemas.microsoft.com/office/mac/drawingml/2011/main" xmlns="" val="1"/>
+            </a:ext>
+          </a:extLst>
+        </p:spPr>
+        <p:txBody>
+          <a:bodyPr wrap="square" lIns="0" tIns="0" rIns="0" bIns="0">
+            <a:spAutoFit/>
+          </a:bodyPr>
+          <a:lstStyle/>
+          <a:p>
+            <a:pPr lvl="0"/>
+            <a:r>
+              <a:rPr lang="en-US" sz="2400" i="1" dirty="0">
+                <a:solidFill>
+                  <a:srgbClr val="FFFFFF"/>
+                </a:solidFill>
+              </a:rPr>
+              <a:t> Attendance password    </a:t>
+            </a:r>
+          </a:p>
+          <a:p>
+            <a:pPr lvl="0"/>
+            <a:r>
+              <a:rPr lang="en-US" sz="2400" i="1" dirty="0">
+                <a:solidFill>
+                  <a:srgbClr val="FFFFFF"/>
+                </a:solidFill>
+              </a:rPr>
+              <a:t> is written on the board</a:t>
+            </a:r>
+          </a:p>
+        </p:txBody>
+      </p:sp>
     </p:spTree>
     <p:extLst>
       <p:ext uri="{BB962C8B-B14F-4D97-AF65-F5344CB8AC3E}">
@@ -6076,21 +6068,6 @@
 </file>
 
 <file path=customXml/item1.xml><?xml version="1.0" encoding="utf-8"?>
-<?mso-contentType ?>
-<FormTemplates xmlns="http://schemas.microsoft.com/sharepoint/v3/contenttype/forms">
-  <Display>DocumentLibraryForm</Display>
-  <Edit>DocumentLibraryForm</Edit>
-  <New>DocumentLibraryForm</New>
-</FormTemplates>
-</file>
-
-<file path=customXml/item2.xml><?xml version="1.0" encoding="utf-8"?>
-<p:properties xmlns:p="http://schemas.microsoft.com/office/2006/metadata/properties" xmlns:xsi="http://www.w3.org/2001/XMLSchema-instance" xmlns:pc="http://schemas.microsoft.com/office/infopath/2007/PartnerControls">
-  <documentManagement/>
-</p:properties>
-</file>
-
-<file path=customXml/item3.xml><?xml version="1.0" encoding="utf-8"?>
 <ct:contentTypeSchema xmlns:ct="http://schemas.microsoft.com/office/2006/metadata/contentType" xmlns:ma="http://schemas.microsoft.com/office/2006/metadata/properties/metaAttributes" ct:_="" ma:_="" ma:contentTypeName="Document" ma:contentTypeID="0x0101004285D81DBE5F5A448E892B34D6B8CF20" ma:contentTypeVersion="2" ma:contentTypeDescription="Create a new document." ma:contentTypeScope="" ma:versionID="026ccaf10de5d9915dfa48c6db16b59b">
   <xsd:schema xmlns:xsd="http://www.w3.org/2001/XMLSchema" xmlns:xs="http://www.w3.org/2001/XMLSchema" xmlns:p="http://schemas.microsoft.com/office/2006/metadata/properties" xmlns:ns2="08600313-7276-4ca7-b5d3-7d86193ee0ac" targetNamespace="http://schemas.microsoft.com/office/2006/metadata/properties" ma:root="true" ma:fieldsID="c887e4ee215f388544e22a2030d7ea35" ns2:_="">
     <xsd:import namespace="08600313-7276-4ca7-b5d3-7d86193ee0ac"/>
@@ -6222,10 +6199,35 @@
 </ct:contentTypeSchema>
 </file>
 
+<file path=customXml/item2.xml><?xml version="1.0" encoding="utf-8"?>
+<p:properties xmlns:p="http://schemas.microsoft.com/office/2006/metadata/properties" xmlns:xsi="http://www.w3.org/2001/XMLSchema-instance" xmlns:pc="http://schemas.microsoft.com/office/infopath/2007/PartnerControls">
+  <documentManagement/>
+</p:properties>
+</file>
+
+<file path=customXml/item3.xml><?xml version="1.0" encoding="utf-8"?>
+<?mso-contentType ?>
+<FormTemplates xmlns="http://schemas.microsoft.com/sharepoint/v3/contenttype/forms">
+  <Display>DocumentLibraryForm</Display>
+  <Edit>DocumentLibraryForm</Edit>
+  <New>DocumentLibraryForm</New>
+</FormTemplates>
+</file>
+
 <file path=customXml/itemProps1.xml><?xml version="1.0" encoding="utf-8"?>
-<ds:datastoreItem xmlns:ds="http://schemas.openxmlformats.org/officeDocument/2006/customXml" ds:itemID="{41D8B4DC-B6A1-4423-9A40-D80850572599}">
+<ds:datastoreItem xmlns:ds="http://schemas.openxmlformats.org/officeDocument/2006/customXml" ds:itemID="{33DBEA94-FCF4-49BF-A3E9-3226927C886C}">
   <ds:schemaRefs>
-    <ds:schemaRef ds:uri="http://schemas.microsoft.com/sharepoint/v3/contenttype/forms"/>
+    <ds:schemaRef ds:uri="http://schemas.microsoft.com/office/2006/metadata/contentType"/>
+    <ds:schemaRef ds:uri="http://schemas.microsoft.com/office/2006/metadata/properties/metaAttributes"/>
+    <ds:schemaRef ds:uri="http://www.w3.org/2001/XMLSchema"/>
+    <ds:schemaRef ds:uri="http://schemas.microsoft.com/office/2006/metadata/properties"/>
+    <ds:schemaRef ds:uri="08600313-7276-4ca7-b5d3-7d86193ee0ac"/>
+    <ds:schemaRef ds:uri="http://schemas.microsoft.com/office/2006/documentManagement/types"/>
+    <ds:schemaRef ds:uri="http://schemas.microsoft.com/office/infopath/2007/PartnerControls"/>
+    <ds:schemaRef ds:uri="http://schemas.openxmlformats.org/package/2006/metadata/core-properties"/>
+    <ds:schemaRef ds:uri="http://purl.org/dc/elements/1.1/"/>
+    <ds:schemaRef ds:uri="http://purl.org/dc/terms/"/>
+    <ds:schemaRef ds:uri="http://schemas.microsoft.com/internal/obd"/>
   </ds:schemaRefs>
 </ds:datastoreItem>
 </file>
@@ -6247,19 +6249,9 @@
 </file>
 
 <file path=customXml/itemProps3.xml><?xml version="1.0" encoding="utf-8"?>
-<ds:datastoreItem xmlns:ds="http://schemas.openxmlformats.org/officeDocument/2006/customXml" ds:itemID="{33DBEA94-FCF4-49BF-A3E9-3226927C886C}">
+<ds:datastoreItem xmlns:ds="http://schemas.openxmlformats.org/officeDocument/2006/customXml" ds:itemID="{41D8B4DC-B6A1-4423-9A40-D80850572599}">
   <ds:schemaRefs>
-    <ds:schemaRef ds:uri="http://schemas.microsoft.com/office/2006/metadata/contentType"/>
-    <ds:schemaRef ds:uri="http://schemas.microsoft.com/office/2006/metadata/properties/metaAttributes"/>
-    <ds:schemaRef ds:uri="http://www.w3.org/2001/XMLSchema"/>
-    <ds:schemaRef ds:uri="http://schemas.microsoft.com/office/2006/metadata/properties"/>
-    <ds:schemaRef ds:uri="08600313-7276-4ca7-b5d3-7d86193ee0ac"/>
-    <ds:schemaRef ds:uri="http://schemas.microsoft.com/office/2006/documentManagement/types"/>
-    <ds:schemaRef ds:uri="http://schemas.microsoft.com/office/infopath/2007/PartnerControls"/>
-    <ds:schemaRef ds:uri="http://schemas.openxmlformats.org/package/2006/metadata/core-properties"/>
-    <ds:schemaRef ds:uri="http://purl.org/dc/elements/1.1/"/>
-    <ds:schemaRef ds:uri="http://purl.org/dc/terms/"/>
-    <ds:schemaRef ds:uri="http://schemas.microsoft.com/internal/obd"/>
+    <ds:schemaRef ds:uri="http://schemas.microsoft.com/sharepoint/v3/contenttype/forms"/>
   </ds:schemaRefs>
 </ds:datastoreItem>
 </file>